--- a/otmm_decimal/result_colab/result_novelty_1000_1.0_6_102_ColabPP/result_novelty_1000_1.0_6_102_parsing.pptx
+++ b/otmm_decimal/result_colab/result_novelty_1000_1.0_6_102_ColabPP/result_novelty_1000_1.0_6_102_parsing.pptx
@@ -6,9 +6,10 @@
   </p:sldMasterIdLst>
   <p:sldIdLst>
     <p:sldId id="264" r:id="rId2"/>
-    <p:sldId id="261" r:id="rId3"/>
-    <p:sldId id="262" r:id="rId4"/>
-    <p:sldId id="263" r:id="rId5"/>
+    <p:sldId id="265" r:id="rId3"/>
+    <p:sldId id="261" r:id="rId4"/>
+    <p:sldId id="262" r:id="rId5"/>
+    <p:sldId id="263" r:id="rId6"/>
   </p:sldIdLst>
   <p:sldSz cx="12192000" cy="6858000"/>
   <p:notesSz cx="6858000" cy="9144000"/>
@@ -262,7 +263,7 @@
           <a:p>
             <a:fld id="{A1CCF42C-534B-4F17-84EB-3026585EF5A2}" type="datetimeFigureOut">
               <a:rPr kumimoji="1" lang="ja-JP" altLang="en-US" smtClean="0"/>
-              <a:t>2022/12/29</a:t>
+              <a:t>2023/1/3</a:t>
             </a:fld>
             <a:endParaRPr kumimoji="1" lang="ja-JP" altLang="en-US"/>
           </a:p>
@@ -492,7 +493,7 @@
           <a:p>
             <a:fld id="{A1CCF42C-534B-4F17-84EB-3026585EF5A2}" type="datetimeFigureOut">
               <a:rPr kumimoji="1" lang="ja-JP" altLang="en-US" smtClean="0"/>
-              <a:t>2022/12/29</a:t>
+              <a:t>2023/1/3</a:t>
             </a:fld>
             <a:endParaRPr kumimoji="1" lang="ja-JP" altLang="en-US"/>
           </a:p>
@@ -732,7 +733,7 @@
           <a:p>
             <a:fld id="{A1CCF42C-534B-4F17-84EB-3026585EF5A2}" type="datetimeFigureOut">
               <a:rPr kumimoji="1" lang="ja-JP" altLang="en-US" smtClean="0"/>
-              <a:t>2022/12/29</a:t>
+              <a:t>2023/1/3</a:t>
             </a:fld>
             <a:endParaRPr kumimoji="1" lang="ja-JP" altLang="en-US"/>
           </a:p>
@@ -962,7 +963,7 @@
           <a:p>
             <a:fld id="{A1CCF42C-534B-4F17-84EB-3026585EF5A2}" type="datetimeFigureOut">
               <a:rPr kumimoji="1" lang="ja-JP" altLang="en-US" smtClean="0"/>
-              <a:t>2022/12/29</a:t>
+              <a:t>2023/1/3</a:t>
             </a:fld>
             <a:endParaRPr kumimoji="1" lang="ja-JP" altLang="en-US"/>
           </a:p>
@@ -1237,7 +1238,7 @@
           <a:p>
             <a:fld id="{A1CCF42C-534B-4F17-84EB-3026585EF5A2}" type="datetimeFigureOut">
               <a:rPr kumimoji="1" lang="ja-JP" altLang="en-US" smtClean="0"/>
-              <a:t>2022/12/29</a:t>
+              <a:t>2023/1/3</a:t>
             </a:fld>
             <a:endParaRPr kumimoji="1" lang="ja-JP" altLang="en-US"/>
           </a:p>
@@ -1566,7 +1567,7 @@
           <a:p>
             <a:fld id="{A1CCF42C-534B-4F17-84EB-3026585EF5A2}" type="datetimeFigureOut">
               <a:rPr kumimoji="1" lang="ja-JP" altLang="en-US" smtClean="0"/>
-              <a:t>2022/12/29</a:t>
+              <a:t>2023/1/3</a:t>
             </a:fld>
             <a:endParaRPr kumimoji="1" lang="ja-JP" altLang="en-US"/>
           </a:p>
@@ -2042,7 +2043,7 @@
           <a:p>
             <a:fld id="{A1CCF42C-534B-4F17-84EB-3026585EF5A2}" type="datetimeFigureOut">
               <a:rPr kumimoji="1" lang="ja-JP" altLang="en-US" smtClean="0"/>
-              <a:t>2022/12/29</a:t>
+              <a:t>2023/1/3</a:t>
             </a:fld>
             <a:endParaRPr kumimoji="1" lang="ja-JP" altLang="en-US"/>
           </a:p>
@@ -2183,7 +2184,7 @@
           <a:p>
             <a:fld id="{A1CCF42C-534B-4F17-84EB-3026585EF5A2}" type="datetimeFigureOut">
               <a:rPr kumimoji="1" lang="ja-JP" altLang="en-US" smtClean="0"/>
-              <a:t>2022/12/29</a:t>
+              <a:t>2023/1/3</a:t>
             </a:fld>
             <a:endParaRPr kumimoji="1" lang="ja-JP" altLang="en-US"/>
           </a:p>
@@ -2296,7 +2297,7 @@
           <a:p>
             <a:fld id="{A1CCF42C-534B-4F17-84EB-3026585EF5A2}" type="datetimeFigureOut">
               <a:rPr kumimoji="1" lang="ja-JP" altLang="en-US" smtClean="0"/>
-              <a:t>2022/12/29</a:t>
+              <a:t>2023/1/3</a:t>
             </a:fld>
             <a:endParaRPr kumimoji="1" lang="ja-JP" altLang="en-US"/>
           </a:p>
@@ -2639,7 +2640,7 @@
           <a:p>
             <a:fld id="{A1CCF42C-534B-4F17-84EB-3026585EF5A2}" type="datetimeFigureOut">
               <a:rPr kumimoji="1" lang="ja-JP" altLang="en-US" smtClean="0"/>
-              <a:t>2022/12/29</a:t>
+              <a:t>2023/1/3</a:t>
             </a:fld>
             <a:endParaRPr kumimoji="1" lang="ja-JP" altLang="en-US"/>
           </a:p>
@@ -2927,7 +2928,7 @@
           <a:p>
             <a:fld id="{A1CCF42C-534B-4F17-84EB-3026585EF5A2}" type="datetimeFigureOut">
               <a:rPr kumimoji="1" lang="ja-JP" altLang="en-US" smtClean="0"/>
-              <a:t>2022/12/29</a:t>
+              <a:t>2023/1/3</a:t>
             </a:fld>
             <a:endParaRPr kumimoji="1" lang="ja-JP" altLang="en-US"/>
           </a:p>
@@ -3200,7 +3201,7 @@
           <a:p>
             <a:fld id="{A1CCF42C-534B-4F17-84EB-3026585EF5A2}" type="datetimeFigureOut">
               <a:rPr kumimoji="1" lang="ja-JP" altLang="en-US" smtClean="0"/>
-              <a:t>2022/12/29</a:t>
+              <a:t>2023/1/3</a:t>
             </a:fld>
             <a:endParaRPr kumimoji="1" lang="ja-JP" altLang="en-US"/>
           </a:p>
@@ -6076,7 +6077,7 @@
         </p:nvSpPr>
         <p:spPr>
           <a:xfrm>
-            <a:off x="8922299" y="3211618"/>
+            <a:off x="4669187" y="1475113"/>
             <a:ext cx="439971" cy="434763"/>
           </a:xfrm>
           <a:prstGeom prst="ellipse">
@@ -6111,7 +6112,7 @@
           <a:p>
             <a:pPr algn="ctr"/>
             <a:r>
-              <a:rPr kumimoji="1" lang="en-US" altLang="ja-JP" dirty="0">
+              <a:rPr lang="en-US" altLang="ja-JP" dirty="0">
                 <a:solidFill>
                   <a:schemeClr val="tx1"/>
                 </a:solidFill>
@@ -6126,51 +6127,6 @@
           </a:p>
         </p:txBody>
       </p:sp>
-      <p:cxnSp>
-        <p:nvCxnSpPr>
-          <p:cNvPr id="4" name="直線コネクタ 3">
-            <a:extLst>
-              <a:ext uri="{FF2B5EF4-FFF2-40B4-BE49-F238E27FC236}">
-                <a16:creationId xmlns:a16="http://schemas.microsoft.com/office/drawing/2014/main" id="{6F147F4B-8FAC-056D-BC9B-BF5397D939A4}"/>
-              </a:ext>
-            </a:extLst>
-          </p:cNvPr>
-          <p:cNvCxnSpPr>
-            <a:cxnSpLocks/>
-            <a:stCxn id="5" idx="6"/>
-            <a:endCxn id="2" idx="2"/>
-          </p:cNvCxnSpPr>
-          <p:nvPr/>
-        </p:nvCxnSpPr>
-        <p:spPr>
-          <a:xfrm>
-            <a:off x="8389259" y="3429000"/>
-            <a:ext cx="533040" cy="0"/>
-          </a:xfrm>
-          <a:prstGeom prst="line">
-            <a:avLst/>
-          </a:prstGeom>
-          <a:ln>
-            <a:solidFill>
-              <a:schemeClr val="tx1"/>
-            </a:solidFill>
-          </a:ln>
-        </p:spPr>
-        <p:style>
-          <a:lnRef idx="1">
-            <a:schemeClr val="accent1"/>
-          </a:lnRef>
-          <a:fillRef idx="0">
-            <a:schemeClr val="accent1"/>
-          </a:fillRef>
-          <a:effectRef idx="0">
-            <a:schemeClr val="accent1"/>
-          </a:effectRef>
-          <a:fontRef idx="minor">
-            <a:schemeClr val="tx1"/>
-          </a:fontRef>
-        </p:style>
-      </p:cxnSp>
       <p:sp>
         <p:nvSpPr>
           <p:cNvPr id="5" name="楕円 4">
@@ -6185,7 +6141,7 @@
         </p:nvSpPr>
         <p:spPr>
           <a:xfrm>
-            <a:off x="7949288" y="3211618"/>
+            <a:off x="6367686" y="3358471"/>
             <a:ext cx="439971" cy="434763"/>
           </a:xfrm>
           <a:prstGeom prst="ellipse">
@@ -6220,27 +6176,22 @@
           <a:p>
             <a:pPr algn="ctr"/>
             <a:r>
-              <a:rPr kumimoji="1" lang="en-US" altLang="ja-JP" dirty="0">
+              <a:rPr lang="en-US" altLang="ja-JP" dirty="0">
                 <a:solidFill>
                   <a:schemeClr val="tx1"/>
                 </a:solidFill>
               </a:rPr>
-              <a:t>2</a:t>
-            </a:r>
-            <a:endParaRPr kumimoji="1" lang="ja-JP" altLang="en-US" dirty="0">
-              <a:solidFill>
-                <a:schemeClr val="tx1"/>
-              </a:solidFill>
-            </a:endParaRPr>
-          </a:p>
-        </p:txBody>
-      </p:sp>
-      <p:sp>
-        <p:nvSpPr>
-          <p:cNvPr id="15" name="楕円 14">
-            <a:extLst>
-              <a:ext uri="{FF2B5EF4-FFF2-40B4-BE49-F238E27FC236}">
-                <a16:creationId xmlns:a16="http://schemas.microsoft.com/office/drawing/2014/main" id="{A36C3C59-ABD2-F701-50FD-3A47E6659924}"/>
+              <a:t>5</a:t>
+            </a:r>
+          </a:p>
+        </p:txBody>
+      </p:sp>
+      <p:sp>
+        <p:nvSpPr>
+          <p:cNvPr id="51" name="楕円 50">
+            <a:extLst>
+              <a:ext uri="{FF2B5EF4-FFF2-40B4-BE49-F238E27FC236}">
+                <a16:creationId xmlns:a16="http://schemas.microsoft.com/office/drawing/2014/main" id="{936398A2-1B1A-ADAB-C692-B1CDC54323CD}"/>
               </a:ext>
             </a:extLst>
           </p:cNvPr>
@@ -6249,7 +6200,7 @@
         </p:nvSpPr>
         <p:spPr>
           <a:xfrm>
-            <a:off x="6976277" y="3211617"/>
+            <a:off x="8694595" y="3364015"/>
             <a:ext cx="439971" cy="434763"/>
           </a:xfrm>
           <a:prstGeom prst="ellipse">
@@ -6289,7 +6240,7 @@
                   <a:schemeClr val="tx1"/>
                 </a:solidFill>
               </a:rPr>
-              <a:t>1</a:t>
+              <a:t>4</a:t>
             </a:r>
             <a:endParaRPr kumimoji="1" lang="ja-JP" altLang="en-US" dirty="0">
               <a:solidFill>
@@ -6299,57 +6250,12 @@
           </a:p>
         </p:txBody>
       </p:sp>
-      <p:cxnSp>
-        <p:nvCxnSpPr>
-          <p:cNvPr id="16" name="直線コネクタ 15">
-            <a:extLst>
-              <a:ext uri="{FF2B5EF4-FFF2-40B4-BE49-F238E27FC236}">
-                <a16:creationId xmlns:a16="http://schemas.microsoft.com/office/drawing/2014/main" id="{3A4231B4-3565-5623-E3D4-DFF863B012DB}"/>
-              </a:ext>
-            </a:extLst>
-          </p:cNvPr>
-          <p:cNvCxnSpPr>
-            <a:cxnSpLocks/>
-            <a:stCxn id="15" idx="6"/>
-            <a:endCxn id="5" idx="2"/>
-          </p:cNvCxnSpPr>
-          <p:nvPr/>
-        </p:nvCxnSpPr>
-        <p:spPr>
-          <a:xfrm>
-            <a:off x="7416248" y="3428999"/>
-            <a:ext cx="533040" cy="1"/>
-          </a:xfrm>
-          <a:prstGeom prst="line">
-            <a:avLst/>
-          </a:prstGeom>
-          <a:ln>
-            <a:solidFill>
-              <a:schemeClr val="tx1"/>
-            </a:solidFill>
-          </a:ln>
-        </p:spPr>
-        <p:style>
-          <a:lnRef idx="1">
-            <a:schemeClr val="accent1"/>
-          </a:lnRef>
-          <a:fillRef idx="0">
-            <a:schemeClr val="accent1"/>
-          </a:fillRef>
-          <a:effectRef idx="0">
-            <a:schemeClr val="accent1"/>
-          </a:effectRef>
-          <a:fontRef idx="minor">
-            <a:schemeClr val="tx1"/>
-          </a:fontRef>
-        </p:style>
-      </p:cxnSp>
-      <p:sp>
-        <p:nvSpPr>
-          <p:cNvPr id="19" name="楕円 18">
-            <a:extLst>
-              <a:ext uri="{FF2B5EF4-FFF2-40B4-BE49-F238E27FC236}">
-                <a16:creationId xmlns:a16="http://schemas.microsoft.com/office/drawing/2014/main" id="{F298F2AF-6D9A-4BE2-B86D-1BCB2DFA6915}"/>
+      <p:sp>
+        <p:nvSpPr>
+          <p:cNvPr id="32" name="楕円 31">
+            <a:extLst>
+              <a:ext uri="{FF2B5EF4-FFF2-40B4-BE49-F238E27FC236}">
+                <a16:creationId xmlns:a16="http://schemas.microsoft.com/office/drawing/2014/main" id="{9193736D-8B26-CF1B-F24A-825F893CF20A}"/>
               </a:ext>
             </a:extLst>
           </p:cNvPr>
@@ -6358,7 +6264,7 @@
         </p:nvSpPr>
         <p:spPr>
           <a:xfrm>
-            <a:off x="6003265" y="2170221"/>
+            <a:off x="5758086" y="5308354"/>
             <a:ext cx="439971" cy="434763"/>
           </a:xfrm>
           <a:prstGeom prst="ellipse">
@@ -6410,10 +6316,10 @@
       </p:sp>
       <p:sp>
         <p:nvSpPr>
-          <p:cNvPr id="20" name="楕円 19">
-            <a:extLst>
-              <a:ext uri="{FF2B5EF4-FFF2-40B4-BE49-F238E27FC236}">
-                <a16:creationId xmlns:a16="http://schemas.microsoft.com/office/drawing/2014/main" id="{98118023-75A8-13FF-B3AC-006BB2EB8EDC}"/>
+          <p:cNvPr id="34" name="楕円 33">
+            <a:extLst>
+              <a:ext uri="{FF2B5EF4-FFF2-40B4-BE49-F238E27FC236}">
+                <a16:creationId xmlns:a16="http://schemas.microsoft.com/office/drawing/2014/main" id="{029F04E6-2782-E0D2-F530-D53F6EDD2AF2}"/>
               </a:ext>
             </a:extLst>
           </p:cNvPr>
@@ -6422,7 +6328,7 @@
         </p:nvSpPr>
         <p:spPr>
           <a:xfrm>
-            <a:off x="6003264" y="4253017"/>
+            <a:off x="4206004" y="5308354"/>
             <a:ext cx="439971" cy="434763"/>
           </a:xfrm>
           <a:prstGeom prst="ellipse">
@@ -6462,7 +6368,7 @@
                   <a:schemeClr val="tx1"/>
                 </a:solidFill>
               </a:rPr>
-              <a:t>3</a:t>
+              <a:t>1</a:t>
             </a:r>
             <a:endParaRPr kumimoji="1" lang="ja-JP" altLang="en-US" dirty="0">
               <a:solidFill>
@@ -6472,34 +6378,96 @@
           </a:p>
         </p:txBody>
       </p:sp>
-      <p:cxnSp>
-        <p:nvCxnSpPr>
-          <p:cNvPr id="21" name="直線コネクタ 20">
-            <a:extLst>
-              <a:ext uri="{FF2B5EF4-FFF2-40B4-BE49-F238E27FC236}">
-                <a16:creationId xmlns:a16="http://schemas.microsoft.com/office/drawing/2014/main" id="{5070F677-61C6-9C9B-5F79-303AFF26D89A}"/>
-              </a:ext>
-            </a:extLst>
-          </p:cNvPr>
-          <p:cNvCxnSpPr>
-            <a:cxnSpLocks/>
-            <a:stCxn id="19" idx="5"/>
-            <a:endCxn id="15" idx="1"/>
-          </p:cNvCxnSpPr>
-          <p:nvPr/>
-        </p:nvCxnSpPr>
-        <p:spPr>
-          <a:xfrm>
-            <a:off x="6378804" y="2541314"/>
-            <a:ext cx="661905" cy="733973"/>
-          </a:xfrm>
-          <a:prstGeom prst="line">
-            <a:avLst/>
-          </a:prstGeom>
+      <p:sp>
+        <p:nvSpPr>
+          <p:cNvPr id="6" name="楕円 5">
+            <a:extLst>
+              <a:ext uri="{FF2B5EF4-FFF2-40B4-BE49-F238E27FC236}">
+                <a16:creationId xmlns:a16="http://schemas.microsoft.com/office/drawing/2014/main" id="{DC1FE19C-E750-6470-8CD3-8D42D286515E}"/>
+              </a:ext>
+            </a:extLst>
+          </p:cNvPr>
+          <p:cNvSpPr/>
+          <p:nvPr/>
+        </p:nvSpPr>
+        <p:spPr>
+          <a:xfrm>
+            <a:off x="3451262" y="3370368"/>
+            <a:ext cx="439971" cy="434763"/>
+          </a:xfrm>
+          <a:prstGeom prst="ellipse">
+            <a:avLst/>
+          </a:prstGeom>
+          <a:noFill/>
           <a:ln>
             <a:solidFill>
               <a:schemeClr val="tx1"/>
             </a:solidFill>
+          </a:ln>
+        </p:spPr>
+        <p:style>
+          <a:lnRef idx="2">
+            <a:schemeClr val="accent1">
+              <a:shade val="50000"/>
+            </a:schemeClr>
+          </a:lnRef>
+          <a:fillRef idx="1">
+            <a:schemeClr val="accent1"/>
+          </a:fillRef>
+          <a:effectRef idx="0">
+            <a:schemeClr val="accent1"/>
+          </a:effectRef>
+          <a:fontRef idx="minor">
+            <a:schemeClr val="lt1"/>
+          </a:fontRef>
+        </p:style>
+        <p:txBody>
+          <a:bodyPr rtlCol="0" anchor="ctr"/>
+          <a:lstStyle/>
+          <a:p>
+            <a:pPr algn="ctr"/>
+            <a:r>
+              <a:rPr kumimoji="1" lang="en-US" altLang="ja-JP" dirty="0">
+                <a:solidFill>
+                  <a:schemeClr val="tx1"/>
+                </a:solidFill>
+              </a:rPr>
+              <a:t>2</a:t>
+            </a:r>
+            <a:endParaRPr kumimoji="1" lang="ja-JP" altLang="en-US" dirty="0">
+              <a:solidFill>
+                <a:schemeClr val="tx1"/>
+              </a:solidFill>
+            </a:endParaRPr>
+          </a:p>
+        </p:txBody>
+      </p:sp>
+      <p:cxnSp>
+        <p:nvCxnSpPr>
+          <p:cNvPr id="28" name="直線矢印コネクタ 27">
+            <a:extLst>
+              <a:ext uri="{FF2B5EF4-FFF2-40B4-BE49-F238E27FC236}">
+                <a16:creationId xmlns:a16="http://schemas.microsoft.com/office/drawing/2014/main" id="{2716C3B1-230A-3F38-9399-58DC4A5C0686}"/>
+              </a:ext>
+            </a:extLst>
+          </p:cNvPr>
+          <p:cNvCxnSpPr>
+            <a:cxnSpLocks/>
+            <a:stCxn id="2" idx="3"/>
+            <a:endCxn id="6" idx="0"/>
+          </p:cNvCxnSpPr>
+          <p:nvPr/>
+        </p:nvCxnSpPr>
+        <p:spPr>
+          <a:xfrm flipH="1">
+            <a:off x="3671248" y="1846206"/>
+            <a:ext cx="1062371" cy="1524162"/>
+          </a:xfrm>
+          <a:prstGeom prst="straightConnector1">
+            <a:avLst/>
+          </a:prstGeom>
+          <a:ln w="12700">
+            <a:tailEnd type="triangle"/>
           </a:ln>
         </p:spPr>
         <p:style>
@@ -6519,205 +6487,30 @@
       </p:cxnSp>
       <p:cxnSp>
         <p:nvCxnSpPr>
-          <p:cNvPr id="24" name="直線コネクタ 23">
-            <a:extLst>
-              <a:ext uri="{FF2B5EF4-FFF2-40B4-BE49-F238E27FC236}">
-                <a16:creationId xmlns:a16="http://schemas.microsoft.com/office/drawing/2014/main" id="{F82A930C-F5AB-FBE4-A327-C027ABD864A4}"/>
+          <p:cNvPr id="43" name="直線矢印コネクタ 42">
+            <a:extLst>
+              <a:ext uri="{FF2B5EF4-FFF2-40B4-BE49-F238E27FC236}">
+                <a16:creationId xmlns:a16="http://schemas.microsoft.com/office/drawing/2014/main" id="{C98EB211-99FB-A8DC-0960-1AE31681AA8E}"/>
               </a:ext>
             </a:extLst>
           </p:cNvPr>
           <p:cNvCxnSpPr>
             <a:cxnSpLocks/>
-            <a:stCxn id="20" idx="7"/>
-            <a:endCxn id="15" idx="3"/>
+            <a:stCxn id="5" idx="7"/>
+            <a:endCxn id="51" idx="1"/>
           </p:cNvCxnSpPr>
           <p:nvPr/>
         </p:nvCxnSpPr>
         <p:spPr>
-          <a:xfrm flipV="1">
-            <a:off x="6378803" y="3582710"/>
-            <a:ext cx="661906" cy="733977"/>
-          </a:xfrm>
-          <a:prstGeom prst="line">
-            <a:avLst/>
-          </a:prstGeom>
-          <a:ln>
-            <a:solidFill>
-              <a:schemeClr val="tx1"/>
-            </a:solidFill>
-          </a:ln>
-        </p:spPr>
-        <p:style>
-          <a:lnRef idx="1">
-            <a:schemeClr val="accent1"/>
-          </a:lnRef>
-          <a:fillRef idx="0">
-            <a:schemeClr val="accent1"/>
-          </a:fillRef>
-          <a:effectRef idx="0">
-            <a:schemeClr val="accent1"/>
-          </a:effectRef>
-          <a:fontRef idx="minor">
-            <a:schemeClr val="tx1"/>
-          </a:fontRef>
-        </p:style>
-      </p:cxnSp>
-      <p:sp>
-        <p:nvSpPr>
-          <p:cNvPr id="29" name="楕円 28">
-            <a:extLst>
-              <a:ext uri="{FF2B5EF4-FFF2-40B4-BE49-F238E27FC236}">
-                <a16:creationId xmlns:a16="http://schemas.microsoft.com/office/drawing/2014/main" id="{1CD800FD-B353-1171-2988-83C6857DE156}"/>
-              </a:ext>
-            </a:extLst>
-          </p:cNvPr>
-          <p:cNvSpPr/>
-          <p:nvPr/>
-        </p:nvSpPr>
-        <p:spPr>
-          <a:xfrm>
-            <a:off x="5003576" y="2604984"/>
-            <a:ext cx="439971" cy="434763"/>
-          </a:xfrm>
-          <a:prstGeom prst="ellipse">
-            <a:avLst/>
-          </a:prstGeom>
-          <a:noFill/>
-          <a:ln>
-            <a:solidFill>
-              <a:schemeClr val="tx1"/>
-            </a:solidFill>
-          </a:ln>
-        </p:spPr>
-        <p:style>
-          <a:lnRef idx="2">
-            <a:schemeClr val="accent1">
-              <a:shade val="50000"/>
-            </a:schemeClr>
-          </a:lnRef>
-          <a:fillRef idx="1">
-            <a:schemeClr val="accent1"/>
-          </a:fillRef>
-          <a:effectRef idx="0">
-            <a:schemeClr val="accent1"/>
-          </a:effectRef>
-          <a:fontRef idx="minor">
-            <a:schemeClr val="lt1"/>
-          </a:fontRef>
-        </p:style>
-        <p:txBody>
-          <a:bodyPr rtlCol="0" anchor="ctr"/>
-          <a:lstStyle/>
-          <a:p>
-            <a:pPr algn="ctr"/>
-            <a:r>
-              <a:rPr kumimoji="1" lang="en-US" altLang="ja-JP" dirty="0">
-                <a:solidFill>
-                  <a:schemeClr val="tx1"/>
-                </a:solidFill>
-              </a:rPr>
-              <a:t>3</a:t>
-            </a:r>
-            <a:endParaRPr kumimoji="1" lang="ja-JP" altLang="en-US" dirty="0">
-              <a:solidFill>
-                <a:schemeClr val="tx1"/>
-              </a:solidFill>
-            </a:endParaRPr>
-          </a:p>
-        </p:txBody>
-      </p:sp>
-      <p:sp>
-        <p:nvSpPr>
-          <p:cNvPr id="33" name="楕円 32">
-            <a:extLst>
-              <a:ext uri="{FF2B5EF4-FFF2-40B4-BE49-F238E27FC236}">
-                <a16:creationId xmlns:a16="http://schemas.microsoft.com/office/drawing/2014/main" id="{81EAF303-AF4F-6280-C2E6-44197D523A05}"/>
-              </a:ext>
-            </a:extLst>
-          </p:cNvPr>
-          <p:cNvSpPr/>
-          <p:nvPr/>
-        </p:nvSpPr>
-        <p:spPr>
-          <a:xfrm>
-            <a:off x="5019342" y="1738766"/>
-            <a:ext cx="439971" cy="434763"/>
-          </a:xfrm>
-          <a:prstGeom prst="ellipse">
-            <a:avLst/>
-          </a:prstGeom>
-          <a:noFill/>
-          <a:ln>
-            <a:solidFill>
-              <a:schemeClr val="tx1"/>
-            </a:solidFill>
-          </a:ln>
-        </p:spPr>
-        <p:style>
-          <a:lnRef idx="2">
-            <a:schemeClr val="accent1">
-              <a:shade val="50000"/>
-            </a:schemeClr>
-          </a:lnRef>
-          <a:fillRef idx="1">
-            <a:schemeClr val="accent1"/>
-          </a:fillRef>
-          <a:effectRef idx="0">
-            <a:schemeClr val="accent1"/>
-          </a:effectRef>
-          <a:fontRef idx="minor">
-            <a:schemeClr val="lt1"/>
-          </a:fontRef>
-        </p:style>
-        <p:txBody>
-          <a:bodyPr rtlCol="0" anchor="ctr"/>
-          <a:lstStyle/>
-          <a:p>
-            <a:pPr algn="ctr"/>
-            <a:r>
-              <a:rPr kumimoji="1" lang="en-US" altLang="ja-JP" dirty="0">
-                <a:solidFill>
-                  <a:schemeClr val="tx1"/>
-                </a:solidFill>
-              </a:rPr>
-              <a:t>0</a:t>
-            </a:r>
-            <a:endParaRPr kumimoji="1" lang="ja-JP" altLang="en-US" dirty="0">
-              <a:solidFill>
-                <a:schemeClr val="tx1"/>
-              </a:solidFill>
-            </a:endParaRPr>
-          </a:p>
-        </p:txBody>
-      </p:sp>
-      <p:cxnSp>
-        <p:nvCxnSpPr>
-          <p:cNvPr id="35" name="直線コネクタ 34">
-            <a:extLst>
-              <a:ext uri="{FF2B5EF4-FFF2-40B4-BE49-F238E27FC236}">
-                <a16:creationId xmlns:a16="http://schemas.microsoft.com/office/drawing/2014/main" id="{3394F000-E77A-B6D4-022D-10AACDA928FB}"/>
-              </a:ext>
-            </a:extLst>
-          </p:cNvPr>
-          <p:cNvCxnSpPr>
-            <a:cxnSpLocks/>
-            <a:stCxn id="33" idx="6"/>
-            <a:endCxn id="19" idx="1"/>
-          </p:cNvCxnSpPr>
-          <p:nvPr/>
-        </p:nvCxnSpPr>
-        <p:spPr>
-          <a:xfrm>
-            <a:off x="5459313" y="1956148"/>
-            <a:ext cx="608384" cy="277743"/>
-          </a:xfrm>
-          <a:prstGeom prst="line">
-            <a:avLst/>
-          </a:prstGeom>
-          <a:ln>
-            <a:solidFill>
-              <a:schemeClr val="tx1"/>
-            </a:solidFill>
+          <a:xfrm>
+            <a:off x="6743225" y="3422141"/>
+            <a:ext cx="2015802" cy="5544"/>
+          </a:xfrm>
+          <a:prstGeom prst="straightConnector1">
+            <a:avLst/>
+          </a:prstGeom>
+          <a:ln w="12700">
+            <a:tailEnd type="triangle"/>
           </a:ln>
         </p:spPr>
         <p:style>
@@ -6737,32 +6530,30 @@
       </p:cxnSp>
       <p:cxnSp>
         <p:nvCxnSpPr>
-          <p:cNvPr id="48" name="直線コネクタ 47">
-            <a:extLst>
-              <a:ext uri="{FF2B5EF4-FFF2-40B4-BE49-F238E27FC236}">
-                <a16:creationId xmlns:a16="http://schemas.microsoft.com/office/drawing/2014/main" id="{38153412-84F5-4E64-1F56-01EEB3020D40}"/>
+          <p:cNvPr id="46" name="直線矢印コネクタ 45">
+            <a:extLst>
+              <a:ext uri="{FF2B5EF4-FFF2-40B4-BE49-F238E27FC236}">
+                <a16:creationId xmlns:a16="http://schemas.microsoft.com/office/drawing/2014/main" id="{2F6BDFF5-D217-6920-EF5A-FD10BC82A8E5}"/>
               </a:ext>
             </a:extLst>
           </p:cNvPr>
           <p:cNvCxnSpPr>
             <a:cxnSpLocks/>
-            <a:stCxn id="29" idx="6"/>
-            <a:endCxn id="19" idx="3"/>
+            <a:stCxn id="34" idx="7"/>
+            <a:endCxn id="32" idx="1"/>
           </p:cNvCxnSpPr>
           <p:nvPr/>
         </p:nvCxnSpPr>
         <p:spPr>
-          <a:xfrm flipV="1">
-            <a:off x="5443547" y="2541314"/>
-            <a:ext cx="624150" cy="281052"/>
-          </a:xfrm>
-          <a:prstGeom prst="line">
-            <a:avLst/>
-          </a:prstGeom>
-          <a:ln>
-            <a:solidFill>
-              <a:schemeClr val="tx1"/>
-            </a:solidFill>
+          <a:xfrm>
+            <a:off x="4581543" y="5372024"/>
+            <a:ext cx="1240975" cy="0"/>
+          </a:xfrm>
+          <a:prstGeom prst="straightConnector1">
+            <a:avLst/>
+          </a:prstGeom>
+          <a:ln w="12700">
+            <a:tailEnd type="triangle"/>
           </a:ln>
         </p:spPr>
         <p:style>
@@ -6782,96 +6573,630 @@
       </p:cxnSp>
       <p:sp>
         <p:nvSpPr>
-          <p:cNvPr id="51" name="楕円 50">
-            <a:extLst>
-              <a:ext uri="{FF2B5EF4-FFF2-40B4-BE49-F238E27FC236}">
-                <a16:creationId xmlns:a16="http://schemas.microsoft.com/office/drawing/2014/main" id="{936398A2-1B1A-ADAB-C692-B1CDC54323CD}"/>
-              </a:ext>
-            </a:extLst>
-          </p:cNvPr>
-          <p:cNvSpPr/>
-          <p:nvPr/>
-        </p:nvSpPr>
-        <p:spPr>
-          <a:xfrm>
-            <a:off x="5035416" y="4253015"/>
-            <a:ext cx="439971" cy="434763"/>
-          </a:xfrm>
-          <a:prstGeom prst="ellipse">
+          <p:cNvPr id="53" name="テキスト ボックス 52">
+            <a:extLst>
+              <a:ext uri="{FF2B5EF4-FFF2-40B4-BE49-F238E27FC236}">
+                <a16:creationId xmlns:a16="http://schemas.microsoft.com/office/drawing/2014/main" id="{0393430C-50B1-E182-FE13-D04B8868EB6B}"/>
+              </a:ext>
+            </a:extLst>
+          </p:cNvPr>
+          <p:cNvSpPr txBox="1"/>
+          <p:nvPr/>
+        </p:nvSpPr>
+        <p:spPr>
+          <a:xfrm>
+            <a:off x="3460845" y="2262263"/>
+            <a:ext cx="746970" cy="369332"/>
+          </a:xfrm>
+          <a:prstGeom prst="rect">
             <a:avLst/>
           </a:prstGeom>
           <a:noFill/>
+        </p:spPr>
+        <p:txBody>
+          <a:bodyPr wrap="square" rtlCol="0">
+            <a:spAutoFit/>
+          </a:bodyPr>
+          <a:lstStyle/>
+          <a:p>
+            <a:pPr algn="ctr"/>
+            <a:r>
+              <a:rPr lang="en-US" altLang="ja-JP" dirty="0">
+                <a:solidFill>
+                  <a:schemeClr val="accent1"/>
+                </a:solidFill>
+              </a:rPr>
+              <a:t>0.45</a:t>
+            </a:r>
+            <a:endParaRPr kumimoji="1" lang="ja-JP" altLang="en-US" dirty="0">
+              <a:solidFill>
+                <a:schemeClr val="accent1"/>
+              </a:solidFill>
+            </a:endParaRPr>
+          </a:p>
+        </p:txBody>
+      </p:sp>
+      <p:sp>
+        <p:nvSpPr>
+          <p:cNvPr id="54" name="テキスト ボックス 53">
+            <a:extLst>
+              <a:ext uri="{FF2B5EF4-FFF2-40B4-BE49-F238E27FC236}">
+                <a16:creationId xmlns:a16="http://schemas.microsoft.com/office/drawing/2014/main" id="{4947C681-A811-03A0-031F-16BDF633A61E}"/>
+              </a:ext>
+            </a:extLst>
+          </p:cNvPr>
+          <p:cNvSpPr txBox="1"/>
+          <p:nvPr/>
+        </p:nvSpPr>
+        <p:spPr>
+          <a:xfrm>
+            <a:off x="7335971" y="3068198"/>
+            <a:ext cx="746970" cy="369332"/>
+          </a:xfrm>
+          <a:prstGeom prst="rect">
+            <a:avLst/>
+          </a:prstGeom>
+          <a:noFill/>
+        </p:spPr>
+        <p:txBody>
+          <a:bodyPr wrap="square" rtlCol="0">
+            <a:spAutoFit/>
+          </a:bodyPr>
+          <a:lstStyle/>
+          <a:p>
+            <a:pPr algn="ctr"/>
+            <a:r>
+              <a:rPr kumimoji="1" lang="en-US" altLang="ja-JP" dirty="0">
+                <a:solidFill>
+                  <a:schemeClr val="accent1"/>
+                </a:solidFill>
+              </a:rPr>
+              <a:t>0.99</a:t>
+            </a:r>
+            <a:endParaRPr kumimoji="1" lang="ja-JP" altLang="en-US" dirty="0">
+              <a:solidFill>
+                <a:schemeClr val="accent1"/>
+              </a:solidFill>
+            </a:endParaRPr>
+          </a:p>
+        </p:txBody>
+      </p:sp>
+      <p:sp>
+        <p:nvSpPr>
+          <p:cNvPr id="55" name="テキスト ボックス 54">
+            <a:extLst>
+              <a:ext uri="{FF2B5EF4-FFF2-40B4-BE49-F238E27FC236}">
+                <a16:creationId xmlns:a16="http://schemas.microsoft.com/office/drawing/2014/main" id="{39046CC4-4F5B-F3D6-5761-EBE43BA2F298}"/>
+              </a:ext>
+            </a:extLst>
+          </p:cNvPr>
+          <p:cNvSpPr txBox="1"/>
+          <p:nvPr/>
+        </p:nvSpPr>
+        <p:spPr>
+          <a:xfrm>
+            <a:off x="4753277" y="4960252"/>
+            <a:ext cx="746970" cy="369332"/>
+          </a:xfrm>
+          <a:prstGeom prst="rect">
+            <a:avLst/>
+          </a:prstGeom>
+          <a:noFill/>
+        </p:spPr>
+        <p:txBody>
+          <a:bodyPr wrap="square" rtlCol="0">
+            <a:spAutoFit/>
+          </a:bodyPr>
+          <a:lstStyle/>
+          <a:p>
+            <a:pPr algn="ctr"/>
+            <a:r>
+              <a:rPr lang="en-US" altLang="ja-JP" dirty="0">
+                <a:solidFill>
+                  <a:schemeClr val="accent1"/>
+                </a:solidFill>
+              </a:rPr>
+              <a:t>0.99</a:t>
+            </a:r>
+            <a:endParaRPr kumimoji="1" lang="ja-JP" altLang="en-US" dirty="0">
+              <a:solidFill>
+                <a:schemeClr val="accent1"/>
+              </a:solidFill>
+            </a:endParaRPr>
+          </a:p>
+        </p:txBody>
+      </p:sp>
+      <p:sp>
+        <p:nvSpPr>
+          <p:cNvPr id="70" name="テキスト ボックス 69">
+            <a:extLst>
+              <a:ext uri="{FF2B5EF4-FFF2-40B4-BE49-F238E27FC236}">
+                <a16:creationId xmlns:a16="http://schemas.microsoft.com/office/drawing/2014/main" id="{F9CFA8CC-CB2E-6B1D-6CB9-0E1813490CC2}"/>
+              </a:ext>
+            </a:extLst>
+          </p:cNvPr>
+          <p:cNvSpPr txBox="1"/>
+          <p:nvPr/>
+        </p:nvSpPr>
+        <p:spPr>
+          <a:xfrm>
+            <a:off x="6128447" y="4636800"/>
+            <a:ext cx="746970" cy="369332"/>
+          </a:xfrm>
+          <a:prstGeom prst="rect">
+            <a:avLst/>
+          </a:prstGeom>
+          <a:noFill/>
+        </p:spPr>
+        <p:txBody>
+          <a:bodyPr wrap="square" rtlCol="0">
+            <a:spAutoFit/>
+          </a:bodyPr>
+          <a:lstStyle/>
+          <a:p>
+            <a:pPr algn="ctr"/>
+            <a:r>
+              <a:rPr lang="en-US" altLang="ja-JP" dirty="0">
+                <a:solidFill>
+                  <a:schemeClr val="accent1"/>
+                </a:solidFill>
+              </a:rPr>
+              <a:t>0.73</a:t>
+            </a:r>
+            <a:endParaRPr kumimoji="1" lang="ja-JP" altLang="en-US" dirty="0">
+              <a:solidFill>
+                <a:schemeClr val="accent1"/>
+              </a:solidFill>
+            </a:endParaRPr>
+          </a:p>
+        </p:txBody>
+      </p:sp>
+      <p:sp>
+        <p:nvSpPr>
+          <p:cNvPr id="79" name="テキスト ボックス 78">
+            <a:extLst>
+              <a:ext uri="{FF2B5EF4-FFF2-40B4-BE49-F238E27FC236}">
+                <a16:creationId xmlns:a16="http://schemas.microsoft.com/office/drawing/2014/main" id="{A5CFDFFF-6A55-BA0A-5AB9-8D00E82AB384}"/>
+              </a:ext>
+            </a:extLst>
+          </p:cNvPr>
+          <p:cNvSpPr txBox="1"/>
+          <p:nvPr/>
+        </p:nvSpPr>
+        <p:spPr>
+          <a:xfrm>
+            <a:off x="4135933" y="3050547"/>
+            <a:ext cx="746970" cy="369332"/>
+          </a:xfrm>
+          <a:prstGeom prst="rect">
+            <a:avLst/>
+          </a:prstGeom>
+          <a:noFill/>
+        </p:spPr>
+        <p:txBody>
+          <a:bodyPr wrap="square" rtlCol="0">
+            <a:spAutoFit/>
+          </a:bodyPr>
+          <a:lstStyle/>
+          <a:p>
+            <a:pPr algn="ctr"/>
+            <a:r>
+              <a:rPr kumimoji="1" lang="en-US" altLang="ja-JP">
+                <a:solidFill>
+                  <a:schemeClr val="accent2"/>
+                </a:solidFill>
+              </a:rPr>
+              <a:t>0.9</a:t>
+            </a:r>
+            <a:r>
+              <a:rPr kumimoji="1" lang="en-US" altLang="ja-JP" dirty="0">
+                <a:solidFill>
+                  <a:schemeClr val="accent2"/>
+                </a:solidFill>
+              </a:rPr>
+              <a:t>9</a:t>
+            </a:r>
+            <a:endParaRPr kumimoji="1" lang="ja-JP" altLang="en-US" dirty="0">
+              <a:solidFill>
+                <a:schemeClr val="accent2"/>
+              </a:solidFill>
+            </a:endParaRPr>
+          </a:p>
+        </p:txBody>
+      </p:sp>
+      <p:sp>
+        <p:nvSpPr>
+          <p:cNvPr id="102" name="テキスト ボックス 101">
+            <a:extLst>
+              <a:ext uri="{FF2B5EF4-FFF2-40B4-BE49-F238E27FC236}">
+                <a16:creationId xmlns:a16="http://schemas.microsoft.com/office/drawing/2014/main" id="{4E8FCA23-45A3-3A9F-4D51-A6D83C93C2CA}"/>
+              </a:ext>
+            </a:extLst>
+          </p:cNvPr>
+          <p:cNvSpPr txBox="1"/>
+          <p:nvPr/>
+        </p:nvSpPr>
+        <p:spPr>
+          <a:xfrm>
+            <a:off x="9603139" y="3422141"/>
+            <a:ext cx="746970" cy="369332"/>
+          </a:xfrm>
+          <a:prstGeom prst="rect">
+            <a:avLst/>
+          </a:prstGeom>
+          <a:noFill/>
+        </p:spPr>
+        <p:txBody>
+          <a:bodyPr wrap="square" rtlCol="0">
+            <a:spAutoFit/>
+          </a:bodyPr>
+          <a:lstStyle/>
+          <a:p>
+            <a:pPr algn="ctr"/>
+            <a:r>
+              <a:rPr kumimoji="1" lang="en-US" altLang="ja-JP" dirty="0">
+                <a:solidFill>
+                  <a:schemeClr val="accent2"/>
+                </a:solidFill>
+              </a:rPr>
+              <a:t>0.99</a:t>
+            </a:r>
+            <a:endParaRPr kumimoji="1" lang="ja-JP" altLang="en-US" dirty="0">
+              <a:solidFill>
+                <a:schemeClr val="accent2"/>
+              </a:solidFill>
+            </a:endParaRPr>
+          </a:p>
+        </p:txBody>
+      </p:sp>
+      <p:sp>
+        <p:nvSpPr>
+          <p:cNvPr id="103" name="テキスト ボックス 102">
+            <a:extLst>
+              <a:ext uri="{FF2B5EF4-FFF2-40B4-BE49-F238E27FC236}">
+                <a16:creationId xmlns:a16="http://schemas.microsoft.com/office/drawing/2014/main" id="{ED62F39F-F050-93F7-3118-84F27C8772E6}"/>
+              </a:ext>
+            </a:extLst>
+          </p:cNvPr>
+          <p:cNvSpPr txBox="1"/>
+          <p:nvPr/>
+        </p:nvSpPr>
+        <p:spPr>
+          <a:xfrm>
+            <a:off x="5763040" y="5785557"/>
+            <a:ext cx="1968640" cy="584775"/>
+          </a:xfrm>
+          <a:prstGeom prst="rect">
+            <a:avLst/>
+          </a:prstGeom>
+          <a:noFill/>
+        </p:spPr>
+        <p:txBody>
+          <a:bodyPr wrap="square" rtlCol="0">
+            <a:spAutoFit/>
+          </a:bodyPr>
+          <a:lstStyle/>
+          <a:p>
+            <a:r>
+              <a:rPr kumimoji="1" lang="en-US" altLang="ja-JP" sz="1600" dirty="0"/>
+              <a:t>Man(a1-6) 0.42</a:t>
+            </a:r>
+          </a:p>
+          <a:p>
+            <a:r>
+              <a:rPr kumimoji="1" lang="en-US" altLang="ja-JP" sz="1600" dirty="0"/>
+              <a:t>Neu5Ac(a2-3)</a:t>
+            </a:r>
+            <a:r>
+              <a:rPr lang="en-US" altLang="ja-JP" sz="1600" dirty="0"/>
+              <a:t> 0.16</a:t>
+            </a:r>
+            <a:endParaRPr kumimoji="1" lang="en-US" altLang="ja-JP" sz="1600" dirty="0"/>
+          </a:p>
+        </p:txBody>
+      </p:sp>
+      <p:sp>
+        <p:nvSpPr>
+          <p:cNvPr id="104" name="テキスト ボックス 103">
+            <a:extLst>
+              <a:ext uri="{FF2B5EF4-FFF2-40B4-BE49-F238E27FC236}">
+                <a16:creationId xmlns:a16="http://schemas.microsoft.com/office/drawing/2014/main" id="{A140B53C-A096-9541-410A-DA6620265CBB}"/>
+              </a:ext>
+            </a:extLst>
+          </p:cNvPr>
+          <p:cNvSpPr txBox="1"/>
+          <p:nvPr/>
+        </p:nvSpPr>
+        <p:spPr>
+          <a:xfrm>
+            <a:off x="1438985" y="3437530"/>
+            <a:ext cx="2021860" cy="338554"/>
+          </a:xfrm>
+          <a:prstGeom prst="rect">
+            <a:avLst/>
+          </a:prstGeom>
+          <a:noFill/>
+        </p:spPr>
+        <p:txBody>
+          <a:bodyPr wrap="square" rtlCol="0">
+            <a:spAutoFit/>
+          </a:bodyPr>
+          <a:lstStyle/>
+          <a:p>
+            <a:r>
+              <a:rPr kumimoji="1" lang="en-US" altLang="ja-JP" sz="1600" dirty="0" err="1"/>
+              <a:t>GlcNAc</a:t>
+            </a:r>
+            <a:r>
+              <a:rPr kumimoji="1" lang="en-US" altLang="ja-JP" sz="1600" dirty="0"/>
+              <a:t>(b1-4) 0.97</a:t>
+            </a:r>
+            <a:endParaRPr kumimoji="1" lang="ja-JP" altLang="en-US" sz="1600" dirty="0"/>
+          </a:p>
+        </p:txBody>
+      </p:sp>
+      <p:sp>
+        <p:nvSpPr>
+          <p:cNvPr id="108" name="テキスト ボックス 107">
+            <a:extLst>
+              <a:ext uri="{FF2B5EF4-FFF2-40B4-BE49-F238E27FC236}">
+                <a16:creationId xmlns:a16="http://schemas.microsoft.com/office/drawing/2014/main" id="{FFB2F5CA-4011-B4B6-39EC-601F7B0AA659}"/>
+              </a:ext>
+            </a:extLst>
+          </p:cNvPr>
+          <p:cNvSpPr txBox="1"/>
+          <p:nvPr/>
+        </p:nvSpPr>
+        <p:spPr>
+          <a:xfrm>
+            <a:off x="3039768" y="1399540"/>
+            <a:ext cx="1688881" cy="584775"/>
+          </a:xfrm>
+          <a:prstGeom prst="rect">
+            <a:avLst/>
+          </a:prstGeom>
+          <a:noFill/>
+        </p:spPr>
+        <p:txBody>
+          <a:bodyPr wrap="square" rtlCol="0">
+            <a:spAutoFit/>
+          </a:bodyPr>
+          <a:lstStyle/>
+          <a:p>
+            <a:r>
+              <a:rPr lang="en-US" altLang="ja-JP" sz="1600" dirty="0"/>
+              <a:t>Man(a1-3) 0.85</a:t>
+            </a:r>
+          </a:p>
+          <a:p>
+            <a:r>
+              <a:rPr lang="en-US" altLang="ja-JP" sz="1600" dirty="0" err="1"/>
+              <a:t>GlcNAc</a:t>
+            </a:r>
+            <a:r>
+              <a:rPr kumimoji="1" lang="en-US" altLang="ja-JP" sz="1600" dirty="0"/>
+              <a:t> 0.008</a:t>
+            </a:r>
+            <a:endParaRPr kumimoji="1" lang="ja-JP" altLang="en-US" sz="1600" dirty="0"/>
+          </a:p>
+        </p:txBody>
+      </p:sp>
+      <p:sp>
+        <p:nvSpPr>
+          <p:cNvPr id="109" name="テキスト ボックス 108">
+            <a:extLst>
+              <a:ext uri="{FF2B5EF4-FFF2-40B4-BE49-F238E27FC236}">
+                <a16:creationId xmlns:a16="http://schemas.microsoft.com/office/drawing/2014/main" id="{76509186-E1EF-DFBD-E4E7-F72BAA18AB80}"/>
+              </a:ext>
+            </a:extLst>
+          </p:cNvPr>
+          <p:cNvSpPr txBox="1"/>
+          <p:nvPr/>
+        </p:nvSpPr>
+        <p:spPr>
+          <a:xfrm>
+            <a:off x="8759027" y="4042750"/>
+            <a:ext cx="1591082" cy="338554"/>
+          </a:xfrm>
+          <a:prstGeom prst="rect">
+            <a:avLst/>
+          </a:prstGeom>
+          <a:noFill/>
+        </p:spPr>
+        <p:txBody>
+          <a:bodyPr wrap="square" rtlCol="0">
+            <a:spAutoFit/>
+          </a:bodyPr>
+          <a:lstStyle/>
+          <a:p>
+            <a:r>
+              <a:rPr lang="en-US" altLang="ja-JP" sz="1600" dirty="0"/>
+              <a:t>Gal(b1-4) 0.77</a:t>
+            </a:r>
+            <a:endParaRPr kumimoji="1" lang="ja-JP" altLang="en-US" sz="1600" dirty="0"/>
+          </a:p>
+        </p:txBody>
+      </p:sp>
+      <p:sp>
+        <p:nvSpPr>
+          <p:cNvPr id="115" name="テキスト ボックス 114">
+            <a:extLst>
+              <a:ext uri="{FF2B5EF4-FFF2-40B4-BE49-F238E27FC236}">
+                <a16:creationId xmlns:a16="http://schemas.microsoft.com/office/drawing/2014/main" id="{0FB3F1A7-8EBD-6435-74BB-6AFD698F9531}"/>
+              </a:ext>
+            </a:extLst>
+          </p:cNvPr>
+          <p:cNvSpPr txBox="1"/>
+          <p:nvPr/>
+        </p:nvSpPr>
+        <p:spPr>
+          <a:xfrm>
+            <a:off x="6875417" y="2261838"/>
+            <a:ext cx="1972677" cy="830997"/>
+          </a:xfrm>
+          <a:prstGeom prst="rect">
+            <a:avLst/>
+          </a:prstGeom>
+          <a:noFill/>
+        </p:spPr>
+        <p:txBody>
+          <a:bodyPr wrap="square" rtlCol="0">
+            <a:spAutoFit/>
+          </a:bodyPr>
+          <a:lstStyle/>
+          <a:p>
+            <a:r>
+              <a:rPr kumimoji="1" lang="en-US" altLang="ja-JP" sz="1600" dirty="0" err="1"/>
+              <a:t>GlcNAc</a:t>
+            </a:r>
+            <a:r>
+              <a:rPr kumimoji="1" lang="en-US" altLang="ja-JP" sz="1600" dirty="0"/>
+              <a:t>(b1-2) 0.55</a:t>
+            </a:r>
+          </a:p>
+          <a:p>
+            <a:r>
+              <a:rPr kumimoji="1" lang="en-US" altLang="ja-JP" sz="1600" dirty="0" err="1"/>
+              <a:t>Fuc</a:t>
+            </a:r>
+            <a:r>
+              <a:rPr kumimoji="1" lang="en-US" altLang="ja-JP" sz="1600" dirty="0"/>
+              <a:t>(a1-6) 0.15</a:t>
+            </a:r>
+          </a:p>
+          <a:p>
+            <a:r>
+              <a:rPr kumimoji="1" lang="en-US" altLang="ja-JP" sz="1600" dirty="0" err="1"/>
+              <a:t>GlcNAc</a:t>
+            </a:r>
+            <a:r>
+              <a:rPr kumimoji="1" lang="en-US" altLang="ja-JP" sz="1600" dirty="0"/>
+              <a:t>(b1-6) 0.12</a:t>
+            </a:r>
+            <a:endParaRPr kumimoji="1" lang="ja-JP" altLang="en-US" sz="1600" dirty="0"/>
+          </a:p>
+        </p:txBody>
+      </p:sp>
+      <p:sp>
+        <p:nvSpPr>
+          <p:cNvPr id="142" name="テキスト ボックス 141">
+            <a:extLst>
+              <a:ext uri="{FF2B5EF4-FFF2-40B4-BE49-F238E27FC236}">
+                <a16:creationId xmlns:a16="http://schemas.microsoft.com/office/drawing/2014/main" id="{733A55CB-FEB6-AB37-CE6B-855EC3AC2569}"/>
+              </a:ext>
+            </a:extLst>
+          </p:cNvPr>
+          <p:cNvSpPr txBox="1"/>
+          <p:nvPr/>
+        </p:nvSpPr>
+        <p:spPr>
+          <a:xfrm>
+            <a:off x="3147507" y="5781017"/>
+            <a:ext cx="1735396" cy="584775"/>
+          </a:xfrm>
+          <a:prstGeom prst="rect">
+            <a:avLst/>
+          </a:prstGeom>
+          <a:noFill/>
+        </p:spPr>
+        <p:txBody>
+          <a:bodyPr wrap="square" rtlCol="0">
+            <a:spAutoFit/>
+          </a:bodyPr>
+          <a:lstStyle/>
+          <a:p>
+            <a:r>
+              <a:rPr kumimoji="1" lang="en-US" altLang="ja-JP" sz="1600" dirty="0"/>
+              <a:t>Man(b1-4) 0.87</a:t>
+            </a:r>
+          </a:p>
+          <a:p>
+            <a:r>
+              <a:rPr kumimoji="1" lang="en-US" altLang="ja-JP" sz="1600" dirty="0"/>
+              <a:t>Gal(b1-4) 0.1</a:t>
+            </a:r>
+            <a:endParaRPr kumimoji="1" lang="ja-JP" altLang="en-US" sz="1600" dirty="0"/>
+          </a:p>
+        </p:txBody>
+      </p:sp>
+      <p:sp>
+        <p:nvSpPr>
+          <p:cNvPr id="143" name="テキスト ボックス 142">
+            <a:extLst>
+              <a:ext uri="{FF2B5EF4-FFF2-40B4-BE49-F238E27FC236}">
+                <a16:creationId xmlns:a16="http://schemas.microsoft.com/office/drawing/2014/main" id="{6685B834-3680-EE44-1F00-4F893FF49276}"/>
+              </a:ext>
+            </a:extLst>
+          </p:cNvPr>
+          <p:cNvSpPr txBox="1"/>
+          <p:nvPr/>
+        </p:nvSpPr>
+        <p:spPr>
+          <a:xfrm>
+            <a:off x="4551050" y="526252"/>
+            <a:ext cx="666306" cy="338554"/>
+          </a:xfrm>
+          <a:prstGeom prst="rect">
+            <a:avLst/>
+          </a:prstGeom>
+        </p:spPr>
+        <p:style>
+          <a:lnRef idx="2">
+            <a:schemeClr val="dk1"/>
+          </a:lnRef>
+          <a:fillRef idx="1">
+            <a:schemeClr val="lt1"/>
+          </a:fillRef>
+          <a:effectRef idx="0">
+            <a:schemeClr val="dk1"/>
+          </a:effectRef>
+          <a:fontRef idx="minor">
+            <a:schemeClr val="dk1"/>
+          </a:fontRef>
+        </p:style>
+        <p:txBody>
+          <a:bodyPr wrap="square" rtlCol="0">
+            <a:spAutoFit/>
+          </a:bodyPr>
+          <a:lstStyle/>
+          <a:p>
+            <a:r>
+              <a:rPr lang="en-US" altLang="ja-JP" sz="1600" dirty="0"/>
+              <a:t>Start</a:t>
+            </a:r>
+            <a:endParaRPr kumimoji="1" lang="ja-JP" altLang="en-US" sz="1600" dirty="0"/>
+          </a:p>
+        </p:txBody>
+      </p:sp>
+      <p:cxnSp>
+        <p:nvCxnSpPr>
+          <p:cNvPr id="145" name="直線矢印コネクタ 144">
+            <a:extLst>
+              <a:ext uri="{FF2B5EF4-FFF2-40B4-BE49-F238E27FC236}">
+                <a16:creationId xmlns:a16="http://schemas.microsoft.com/office/drawing/2014/main" id="{A3C25552-405F-2DD2-5113-4AC6AA055EE9}"/>
+              </a:ext>
+            </a:extLst>
+          </p:cNvPr>
+          <p:cNvCxnSpPr>
+            <a:cxnSpLocks/>
+            <a:stCxn id="143" idx="2"/>
+            <a:endCxn id="2" idx="0"/>
+          </p:cNvCxnSpPr>
+          <p:nvPr/>
+        </p:nvCxnSpPr>
+        <p:spPr>
+          <a:xfrm>
+            <a:off x="4884203" y="864806"/>
+            <a:ext cx="4970" cy="610307"/>
+          </a:xfrm>
+          <a:prstGeom prst="straightConnector1">
+            <a:avLst/>
+          </a:prstGeom>
           <a:ln>
             <a:solidFill>
               <a:schemeClr val="tx1"/>
             </a:solidFill>
-          </a:ln>
-        </p:spPr>
-        <p:style>
-          <a:lnRef idx="2">
-            <a:schemeClr val="accent1">
-              <a:shade val="50000"/>
-            </a:schemeClr>
-          </a:lnRef>
-          <a:fillRef idx="1">
-            <a:schemeClr val="accent1"/>
-          </a:fillRef>
-          <a:effectRef idx="0">
-            <a:schemeClr val="accent1"/>
-          </a:effectRef>
-          <a:fontRef idx="minor">
-            <a:schemeClr val="lt1"/>
-          </a:fontRef>
-        </p:style>
-        <p:txBody>
-          <a:bodyPr rtlCol="0" anchor="ctr"/>
-          <a:lstStyle/>
-          <a:p>
-            <a:pPr algn="ctr"/>
-            <a:r>
-              <a:rPr lang="en-US" altLang="ja-JP" dirty="0">
-                <a:solidFill>
-                  <a:schemeClr val="tx1"/>
-                </a:solidFill>
-              </a:rPr>
-              <a:t>5</a:t>
-            </a:r>
-            <a:endParaRPr kumimoji="1" lang="ja-JP" altLang="en-US" dirty="0">
-              <a:solidFill>
-                <a:schemeClr val="tx1"/>
-              </a:solidFill>
-            </a:endParaRPr>
-          </a:p>
-        </p:txBody>
-      </p:sp>
-      <p:cxnSp>
-        <p:nvCxnSpPr>
-          <p:cNvPr id="66" name="直線コネクタ 65">
-            <a:extLst>
-              <a:ext uri="{FF2B5EF4-FFF2-40B4-BE49-F238E27FC236}">
-                <a16:creationId xmlns:a16="http://schemas.microsoft.com/office/drawing/2014/main" id="{0D73DC1B-4788-4BEA-BCD5-5A95101381AA}"/>
-              </a:ext>
-            </a:extLst>
-          </p:cNvPr>
-          <p:cNvCxnSpPr>
-            <a:cxnSpLocks/>
-            <a:stCxn id="68" idx="6"/>
-            <a:endCxn id="33" idx="2"/>
-          </p:cNvCxnSpPr>
-          <p:nvPr/>
-        </p:nvCxnSpPr>
-        <p:spPr>
-          <a:xfrm>
-            <a:off x="4462860" y="1956148"/>
-            <a:ext cx="556482" cy="0"/>
-          </a:xfrm>
-          <a:prstGeom prst="line">
-            <a:avLst/>
-          </a:prstGeom>
-          <a:ln>
-            <a:solidFill>
-              <a:schemeClr val="tx1"/>
-            </a:solidFill>
+            <a:tailEnd type="triangle"/>
           </a:ln>
         </p:spPr>
         <p:style>
@@ -6891,96 +7216,67 @@
       </p:cxnSp>
       <p:sp>
         <p:nvSpPr>
-          <p:cNvPr id="68" name="楕円 67">
-            <a:extLst>
-              <a:ext uri="{FF2B5EF4-FFF2-40B4-BE49-F238E27FC236}">
-                <a16:creationId xmlns:a16="http://schemas.microsoft.com/office/drawing/2014/main" id="{78219453-3070-8E5F-6244-96693EC9F5A2}"/>
-              </a:ext>
-            </a:extLst>
-          </p:cNvPr>
-          <p:cNvSpPr/>
-          <p:nvPr/>
-        </p:nvSpPr>
-        <p:spPr>
-          <a:xfrm>
-            <a:off x="4022889" y="1738766"/>
-            <a:ext cx="439971" cy="434763"/>
-          </a:xfrm>
-          <a:prstGeom prst="ellipse">
+          <p:cNvPr id="148" name="テキスト ボックス 147">
+            <a:extLst>
+              <a:ext uri="{FF2B5EF4-FFF2-40B4-BE49-F238E27FC236}">
+                <a16:creationId xmlns:a16="http://schemas.microsoft.com/office/drawing/2014/main" id="{3D957B80-979B-3AFD-F6EC-56906C9DD086}"/>
+              </a:ext>
+            </a:extLst>
+          </p:cNvPr>
+          <p:cNvSpPr txBox="1"/>
+          <p:nvPr/>
+        </p:nvSpPr>
+        <p:spPr>
+          <a:xfrm>
+            <a:off x="4884203" y="1000682"/>
+            <a:ext cx="360158" cy="338554"/>
+          </a:xfrm>
+          <a:prstGeom prst="rect">
             <a:avLst/>
           </a:prstGeom>
           <a:noFill/>
-          <a:ln>
-            <a:solidFill>
-              <a:schemeClr val="tx1"/>
-            </a:solidFill>
-          </a:ln>
-        </p:spPr>
-        <p:style>
-          <a:lnRef idx="2">
-            <a:schemeClr val="accent1">
-              <a:shade val="50000"/>
-            </a:schemeClr>
-          </a:lnRef>
-          <a:fillRef idx="1">
-            <a:schemeClr val="accent1"/>
-          </a:fillRef>
-          <a:effectRef idx="0">
-            <a:schemeClr val="accent1"/>
-          </a:effectRef>
-          <a:fontRef idx="minor">
-            <a:schemeClr val="lt1"/>
-          </a:fontRef>
-        </p:style>
-        <p:txBody>
-          <a:bodyPr rtlCol="0" anchor="ctr"/>
+        </p:spPr>
+        <p:txBody>
+          <a:bodyPr wrap="square" rtlCol="0">
+            <a:spAutoFit/>
+          </a:bodyPr>
           <a:lstStyle/>
           <a:p>
             <a:pPr algn="ctr"/>
             <a:r>
-              <a:rPr lang="en-US" altLang="ja-JP" dirty="0">
-                <a:solidFill>
-                  <a:schemeClr val="tx1"/>
-                </a:solidFill>
-              </a:rPr>
-              <a:t>5</a:t>
-            </a:r>
-            <a:endParaRPr kumimoji="1" lang="ja-JP" altLang="en-US" dirty="0">
-              <a:solidFill>
-                <a:schemeClr val="tx1"/>
-              </a:solidFill>
-            </a:endParaRPr>
+              <a:rPr kumimoji="1" lang="en-US" altLang="ja-JP" sz="1600" dirty="0"/>
+              <a:t>1</a:t>
+            </a:r>
+            <a:endParaRPr kumimoji="1" lang="ja-JP" altLang="en-US" sz="1600" dirty="0"/>
           </a:p>
         </p:txBody>
       </p:sp>
       <p:cxnSp>
         <p:nvCxnSpPr>
-          <p:cNvPr id="89" name="直線コネクタ 88">
-            <a:extLst>
-              <a:ext uri="{FF2B5EF4-FFF2-40B4-BE49-F238E27FC236}">
-                <a16:creationId xmlns:a16="http://schemas.microsoft.com/office/drawing/2014/main" id="{219E3501-C614-A6C3-7C21-28CF0F8C4DF5}"/>
+          <p:cNvPr id="3" name="直線矢印コネクタ 2">
+            <a:extLst>
+              <a:ext uri="{FF2B5EF4-FFF2-40B4-BE49-F238E27FC236}">
+                <a16:creationId xmlns:a16="http://schemas.microsoft.com/office/drawing/2014/main" id="{A43A4B9A-2F69-1553-D789-31815101D444}"/>
               </a:ext>
             </a:extLst>
           </p:cNvPr>
           <p:cNvCxnSpPr>
             <a:cxnSpLocks/>
-            <a:stCxn id="90" idx="6"/>
-            <a:endCxn id="68" idx="2"/>
+            <a:stCxn id="2" idx="5"/>
+            <a:endCxn id="5" idx="1"/>
           </p:cNvCxnSpPr>
           <p:nvPr/>
         </p:nvCxnSpPr>
         <p:spPr>
           <a:xfrm>
-            <a:off x="3466407" y="1956148"/>
-            <a:ext cx="556482" cy="0"/>
-          </a:xfrm>
-          <a:prstGeom prst="line">
-            <a:avLst/>
-          </a:prstGeom>
-          <a:ln>
-            <a:solidFill>
-              <a:schemeClr val="tx1"/>
-            </a:solidFill>
+            <a:off x="5044726" y="1846206"/>
+            <a:ext cx="1387392" cy="1575935"/>
+          </a:xfrm>
+          <a:prstGeom prst="straightConnector1">
+            <a:avLst/>
+          </a:prstGeom>
+          <a:ln w="12700">
+            <a:tailEnd type="triangle"/>
           </a:ln>
         </p:spPr>
         <p:style>
@@ -7000,63 +7296,44 @@
       </p:cxnSp>
       <p:sp>
         <p:nvSpPr>
-          <p:cNvPr id="90" name="楕円 89">
-            <a:extLst>
-              <a:ext uri="{FF2B5EF4-FFF2-40B4-BE49-F238E27FC236}">
-                <a16:creationId xmlns:a16="http://schemas.microsoft.com/office/drawing/2014/main" id="{2185B69C-2469-826A-A26E-3F85300008CD}"/>
-              </a:ext>
-            </a:extLst>
-          </p:cNvPr>
-          <p:cNvSpPr/>
-          <p:nvPr/>
-        </p:nvSpPr>
-        <p:spPr>
-          <a:xfrm>
-            <a:off x="3026436" y="1738766"/>
-            <a:ext cx="439971" cy="434763"/>
-          </a:xfrm>
-          <a:prstGeom prst="ellipse">
+          <p:cNvPr id="10" name="テキスト ボックス 9">
+            <a:extLst>
+              <a:ext uri="{FF2B5EF4-FFF2-40B4-BE49-F238E27FC236}">
+                <a16:creationId xmlns:a16="http://schemas.microsoft.com/office/drawing/2014/main" id="{9BDE07A3-7140-FC73-19CE-6A04C7DB080D}"/>
+              </a:ext>
+            </a:extLst>
+          </p:cNvPr>
+          <p:cNvSpPr txBox="1"/>
+          <p:nvPr/>
+        </p:nvSpPr>
+        <p:spPr>
+          <a:xfrm>
+            <a:off x="5285951" y="2238955"/>
+            <a:ext cx="746970" cy="369332"/>
+          </a:xfrm>
+          <a:prstGeom prst="rect">
             <a:avLst/>
           </a:prstGeom>
           <a:noFill/>
-          <a:ln>
-            <a:solidFill>
-              <a:schemeClr val="tx1"/>
-            </a:solidFill>
-          </a:ln>
-        </p:spPr>
-        <p:style>
-          <a:lnRef idx="2">
-            <a:schemeClr val="accent1">
-              <a:shade val="50000"/>
-            </a:schemeClr>
-          </a:lnRef>
-          <a:fillRef idx="1">
-            <a:schemeClr val="accent1"/>
-          </a:fillRef>
-          <a:effectRef idx="0">
-            <a:schemeClr val="accent1"/>
-          </a:effectRef>
-          <a:fontRef idx="minor">
-            <a:schemeClr val="lt1"/>
-          </a:fontRef>
-        </p:style>
-        <p:txBody>
-          <a:bodyPr rtlCol="0" anchor="ctr"/>
+        </p:spPr>
+        <p:txBody>
+          <a:bodyPr wrap="square" rtlCol="0">
+            <a:spAutoFit/>
+          </a:bodyPr>
           <a:lstStyle/>
           <a:p>
             <a:pPr algn="ctr"/>
             <a:r>
               <a:rPr lang="en-US" altLang="ja-JP" dirty="0">
                 <a:solidFill>
-                  <a:schemeClr val="tx1"/>
+                  <a:schemeClr val="accent1"/>
                 </a:solidFill>
               </a:rPr>
-              <a:t>4</a:t>
+              <a:t>0.54</a:t>
             </a:r>
             <a:endParaRPr kumimoji="1" lang="ja-JP" altLang="en-US" dirty="0">
               <a:solidFill>
-                <a:schemeClr val="tx1"/>
+                <a:schemeClr val="accent1"/>
               </a:solidFill>
             </a:endParaRPr>
           </a:p>
@@ -7064,32 +7341,30 @@
       </p:sp>
       <p:cxnSp>
         <p:nvCxnSpPr>
-          <p:cNvPr id="92" name="直線コネクタ 91">
-            <a:extLst>
-              <a:ext uri="{FF2B5EF4-FFF2-40B4-BE49-F238E27FC236}">
-                <a16:creationId xmlns:a16="http://schemas.microsoft.com/office/drawing/2014/main" id="{F0188C79-281A-7EB4-B7A7-0B74E0A01B6C}"/>
+          <p:cNvPr id="17" name="直線矢印コネクタ 16">
+            <a:extLst>
+              <a:ext uri="{FF2B5EF4-FFF2-40B4-BE49-F238E27FC236}">
+                <a16:creationId xmlns:a16="http://schemas.microsoft.com/office/drawing/2014/main" id="{A028723B-8CC3-88A1-0059-821AD72245C9}"/>
               </a:ext>
             </a:extLst>
           </p:cNvPr>
           <p:cNvCxnSpPr>
             <a:cxnSpLocks/>
-            <a:stCxn id="93" idx="6"/>
-            <a:endCxn id="29" idx="2"/>
+            <a:stCxn id="6" idx="4"/>
+            <a:endCxn id="34" idx="0"/>
           </p:cNvCxnSpPr>
           <p:nvPr/>
         </p:nvCxnSpPr>
         <p:spPr>
           <a:xfrm>
-            <a:off x="4462860" y="2822366"/>
-            <a:ext cx="540716" cy="0"/>
-          </a:xfrm>
-          <a:prstGeom prst="line">
-            <a:avLst/>
-          </a:prstGeom>
-          <a:ln>
-            <a:solidFill>
-              <a:schemeClr val="tx1"/>
-            </a:solidFill>
+            <a:off x="3671248" y="3805131"/>
+            <a:ext cx="754742" cy="1503223"/>
+          </a:xfrm>
+          <a:prstGeom prst="straightConnector1">
+            <a:avLst/>
+          </a:prstGeom>
+          <a:ln w="12700">
+            <a:tailEnd type="triangle"/>
           </a:ln>
         </p:spPr>
         <p:style>
@@ -7109,63 +7384,44 @@
       </p:cxnSp>
       <p:sp>
         <p:nvSpPr>
-          <p:cNvPr id="93" name="楕円 92">
-            <a:extLst>
-              <a:ext uri="{FF2B5EF4-FFF2-40B4-BE49-F238E27FC236}">
-                <a16:creationId xmlns:a16="http://schemas.microsoft.com/office/drawing/2014/main" id="{72B03E98-54FC-6EE9-49BB-063EFC599DCE}"/>
-              </a:ext>
-            </a:extLst>
-          </p:cNvPr>
-          <p:cNvSpPr/>
-          <p:nvPr/>
-        </p:nvSpPr>
-        <p:spPr>
-          <a:xfrm>
-            <a:off x="4022889" y="2604984"/>
-            <a:ext cx="439971" cy="434763"/>
-          </a:xfrm>
-          <a:prstGeom prst="ellipse">
+          <p:cNvPr id="21" name="テキスト ボックス 20">
+            <a:extLst>
+              <a:ext uri="{FF2B5EF4-FFF2-40B4-BE49-F238E27FC236}">
+                <a16:creationId xmlns:a16="http://schemas.microsoft.com/office/drawing/2014/main" id="{D3844F71-EAFD-EE8A-AB25-F56ABB60C928}"/>
+              </a:ext>
+            </a:extLst>
+          </p:cNvPr>
+          <p:cNvSpPr txBox="1"/>
+          <p:nvPr/>
+        </p:nvSpPr>
+        <p:spPr>
+          <a:xfrm>
+            <a:off x="3297762" y="4374245"/>
+            <a:ext cx="746970" cy="369332"/>
+          </a:xfrm>
+          <a:prstGeom prst="rect">
             <a:avLst/>
           </a:prstGeom>
           <a:noFill/>
-          <a:ln>
-            <a:solidFill>
-              <a:schemeClr val="tx1"/>
-            </a:solidFill>
-          </a:ln>
-        </p:spPr>
-        <p:style>
-          <a:lnRef idx="2">
-            <a:schemeClr val="accent1">
-              <a:shade val="50000"/>
-            </a:schemeClr>
-          </a:lnRef>
-          <a:fillRef idx="1">
-            <a:schemeClr val="accent1"/>
-          </a:fillRef>
-          <a:effectRef idx="0">
-            <a:schemeClr val="accent1"/>
-          </a:effectRef>
-          <a:fontRef idx="minor">
-            <a:schemeClr val="lt1"/>
-          </a:fontRef>
-        </p:style>
-        <p:txBody>
-          <a:bodyPr rtlCol="0" anchor="ctr"/>
+        </p:spPr>
+        <p:txBody>
+          <a:bodyPr wrap="square" rtlCol="0">
+            <a:spAutoFit/>
+          </a:bodyPr>
           <a:lstStyle/>
           <a:p>
             <a:pPr algn="ctr"/>
             <a:r>
-              <a:rPr lang="en-US" altLang="ja-JP" dirty="0">
+              <a:rPr kumimoji="1" lang="en-US" altLang="ja-JP" dirty="0">
                 <a:solidFill>
-                  <a:schemeClr val="tx1"/>
+                  <a:schemeClr val="accent1"/>
                 </a:solidFill>
               </a:rPr>
-              <a:t>5</a:t>
+              <a:t>0.83</a:t>
             </a:r>
             <a:endParaRPr kumimoji="1" lang="ja-JP" altLang="en-US" dirty="0">
               <a:solidFill>
-                <a:schemeClr val="tx1"/>
+                <a:schemeClr val="accent1"/>
               </a:solidFill>
             </a:endParaRPr>
           </a:p>
@@ -7173,32 +7429,38 @@
       </p:sp>
       <p:cxnSp>
         <p:nvCxnSpPr>
-          <p:cNvPr id="94" name="直線コネクタ 93">
-            <a:extLst>
-              <a:ext uri="{FF2B5EF4-FFF2-40B4-BE49-F238E27FC236}">
-                <a16:creationId xmlns:a16="http://schemas.microsoft.com/office/drawing/2014/main" id="{2A3434F9-101A-C370-87D9-B8A615A1B98C}"/>
+          <p:cNvPr id="36" name="コネクタ: 曲線 35">
+            <a:extLst>
+              <a:ext uri="{FF2B5EF4-FFF2-40B4-BE49-F238E27FC236}">
+                <a16:creationId xmlns:a16="http://schemas.microsoft.com/office/drawing/2014/main" id="{E9708A82-AAC9-9FC8-AAD1-C1F2911D16C5}"/>
               </a:ext>
             </a:extLst>
           </p:cNvPr>
           <p:cNvCxnSpPr>
             <a:cxnSpLocks/>
-            <a:stCxn id="95" idx="6"/>
-            <a:endCxn id="93" idx="2"/>
+            <a:stCxn id="51" idx="5"/>
+            <a:endCxn id="51" idx="7"/>
           </p:cNvCxnSpPr>
           <p:nvPr/>
         </p:nvCxnSpPr>
         <p:spPr>
-          <a:xfrm>
-            <a:off x="3467843" y="2822366"/>
-            <a:ext cx="555046" cy="0"/>
-          </a:xfrm>
-          <a:prstGeom prst="line">
-            <a:avLst/>
-          </a:prstGeom>
-          <a:ln>
+          <a:xfrm rot="5400000" flipH="1">
+            <a:off x="8916422" y="3581397"/>
+            <a:ext cx="307423" cy="12700"/>
+          </a:xfrm>
+          <a:prstGeom prst="curvedConnector5">
+            <a:avLst>
+              <a:gd name="adj1" fmla="val -74360"/>
+              <a:gd name="adj2" fmla="val -4892693"/>
+              <a:gd name="adj3" fmla="val 174360"/>
+            </a:avLst>
+          </a:prstGeom>
+          <a:ln w="12700">
             <a:solidFill>
-              <a:schemeClr val="tx1"/>
+              <a:schemeClr val="accent2"/>
             </a:solidFill>
+            <a:prstDash val="sysDash"/>
+            <a:tailEnd type="triangle"/>
           </a:ln>
         </p:spPr>
         <p:style>
@@ -7216,98 +7478,36 @@
           </a:fontRef>
         </p:style>
       </p:cxnSp>
-      <p:sp>
-        <p:nvSpPr>
-          <p:cNvPr id="95" name="楕円 94">
-            <a:extLst>
-              <a:ext uri="{FF2B5EF4-FFF2-40B4-BE49-F238E27FC236}">
-                <a16:creationId xmlns:a16="http://schemas.microsoft.com/office/drawing/2014/main" id="{9BADADBC-278B-8A91-3D80-907EC7D90CD2}"/>
-              </a:ext>
-            </a:extLst>
-          </p:cNvPr>
-          <p:cNvSpPr/>
-          <p:nvPr/>
-        </p:nvSpPr>
-        <p:spPr>
-          <a:xfrm>
-            <a:off x="3027872" y="2604984"/>
-            <a:ext cx="439971" cy="434763"/>
-          </a:xfrm>
-          <a:prstGeom prst="ellipse">
-            <a:avLst/>
-          </a:prstGeom>
-          <a:noFill/>
-          <a:ln>
-            <a:solidFill>
-              <a:schemeClr val="tx1"/>
-            </a:solidFill>
-          </a:ln>
-        </p:spPr>
-        <p:style>
-          <a:lnRef idx="2">
-            <a:schemeClr val="accent1">
-              <a:shade val="50000"/>
-            </a:schemeClr>
-          </a:lnRef>
-          <a:fillRef idx="1">
-            <a:schemeClr val="accent1"/>
-          </a:fillRef>
-          <a:effectRef idx="0">
-            <a:schemeClr val="accent1"/>
-          </a:effectRef>
-          <a:fontRef idx="minor">
-            <a:schemeClr val="lt1"/>
-          </a:fontRef>
-        </p:style>
-        <p:txBody>
-          <a:bodyPr rtlCol="0" anchor="ctr"/>
-          <a:lstStyle/>
-          <a:p>
-            <a:pPr algn="ctr"/>
-            <a:r>
-              <a:rPr kumimoji="1" lang="en-US" altLang="ja-JP" dirty="0">
-                <a:solidFill>
-                  <a:schemeClr val="tx1"/>
-                </a:solidFill>
-              </a:rPr>
-              <a:t>4</a:t>
-            </a:r>
-            <a:endParaRPr kumimoji="1" lang="ja-JP" altLang="en-US" dirty="0">
-              <a:solidFill>
-                <a:schemeClr val="tx1"/>
-              </a:solidFill>
-            </a:endParaRPr>
-          </a:p>
-        </p:txBody>
-      </p:sp>
       <p:cxnSp>
         <p:nvCxnSpPr>
-          <p:cNvPr id="101" name="直線コネクタ 100">
-            <a:extLst>
-              <a:ext uri="{FF2B5EF4-FFF2-40B4-BE49-F238E27FC236}">
-                <a16:creationId xmlns:a16="http://schemas.microsoft.com/office/drawing/2014/main" id="{662F5556-2EA0-97A9-8869-4603EFD5B92B}"/>
+          <p:cNvPr id="42" name="直線矢印コネクタ 41">
+            <a:extLst>
+              <a:ext uri="{FF2B5EF4-FFF2-40B4-BE49-F238E27FC236}">
+                <a16:creationId xmlns:a16="http://schemas.microsoft.com/office/drawing/2014/main" id="{4B563C0B-E26B-A1A5-D16B-052A590E7345}"/>
               </a:ext>
             </a:extLst>
           </p:cNvPr>
           <p:cNvCxnSpPr>
             <a:cxnSpLocks/>
-            <a:stCxn id="102" idx="6"/>
-            <a:endCxn id="51" idx="2"/>
+            <a:stCxn id="51" idx="3"/>
+            <a:endCxn id="5" idx="5"/>
           </p:cNvCxnSpPr>
           <p:nvPr/>
         </p:nvCxnSpPr>
         <p:spPr>
-          <a:xfrm>
-            <a:off x="4478935" y="4470397"/>
-            <a:ext cx="556481" cy="0"/>
-          </a:xfrm>
-          <a:prstGeom prst="line">
-            <a:avLst/>
-          </a:prstGeom>
-          <a:ln>
+          <a:xfrm flipH="1" flipV="1">
+            <a:off x="6743225" y="3729564"/>
+            <a:ext cx="2015802" cy="5544"/>
+          </a:xfrm>
+          <a:prstGeom prst="straightConnector1">
+            <a:avLst/>
+          </a:prstGeom>
+          <a:ln w="12700">
             <a:solidFill>
-              <a:schemeClr val="tx1"/>
+              <a:schemeClr val="accent2"/>
             </a:solidFill>
+            <a:prstDash val="sysDash"/>
+            <a:tailEnd type="triangle"/>
           </a:ln>
         </p:spPr>
         <p:style>
@@ -7327,63 +7527,44 @@
       </p:cxnSp>
       <p:sp>
         <p:nvSpPr>
-          <p:cNvPr id="102" name="楕円 101">
-            <a:extLst>
-              <a:ext uri="{FF2B5EF4-FFF2-40B4-BE49-F238E27FC236}">
-                <a16:creationId xmlns:a16="http://schemas.microsoft.com/office/drawing/2014/main" id="{5109BDEE-2DC4-30E4-B752-3C1E79E02695}"/>
-              </a:ext>
-            </a:extLst>
-          </p:cNvPr>
-          <p:cNvSpPr/>
-          <p:nvPr/>
-        </p:nvSpPr>
-        <p:spPr>
-          <a:xfrm>
-            <a:off x="4038964" y="4253015"/>
-            <a:ext cx="439971" cy="434763"/>
-          </a:xfrm>
-          <a:prstGeom prst="ellipse">
+          <p:cNvPr id="47" name="テキスト ボックス 46">
+            <a:extLst>
+              <a:ext uri="{FF2B5EF4-FFF2-40B4-BE49-F238E27FC236}">
+                <a16:creationId xmlns:a16="http://schemas.microsoft.com/office/drawing/2014/main" id="{FFA93F59-F99C-CFCC-886B-A4157EBA74BB}"/>
+              </a:ext>
+            </a:extLst>
+          </p:cNvPr>
+          <p:cNvSpPr txBox="1"/>
+          <p:nvPr/>
+        </p:nvSpPr>
+        <p:spPr>
+          <a:xfrm>
+            <a:off x="7532145" y="3769864"/>
+            <a:ext cx="746970" cy="369332"/>
+          </a:xfrm>
+          <a:prstGeom prst="rect">
             <a:avLst/>
           </a:prstGeom>
           <a:noFill/>
-          <a:ln>
-            <a:solidFill>
-              <a:schemeClr val="tx1"/>
-            </a:solidFill>
-          </a:ln>
-        </p:spPr>
-        <p:style>
-          <a:lnRef idx="2">
-            <a:schemeClr val="accent1">
-              <a:shade val="50000"/>
-            </a:schemeClr>
-          </a:lnRef>
-          <a:fillRef idx="1">
-            <a:schemeClr val="accent1"/>
-          </a:fillRef>
-          <a:effectRef idx="0">
-            <a:schemeClr val="accent1"/>
-          </a:effectRef>
-          <a:fontRef idx="minor">
-            <a:schemeClr val="lt1"/>
-          </a:fontRef>
-        </p:style>
-        <p:txBody>
-          <a:bodyPr rtlCol="0" anchor="ctr"/>
+        </p:spPr>
+        <p:txBody>
+          <a:bodyPr wrap="square" rtlCol="0">
+            <a:spAutoFit/>
+          </a:bodyPr>
           <a:lstStyle/>
           <a:p>
             <a:pPr algn="ctr"/>
             <a:r>
               <a:rPr lang="en-US" altLang="ja-JP" dirty="0">
                 <a:solidFill>
-                  <a:schemeClr val="tx1"/>
+                  <a:schemeClr val="accent2"/>
                 </a:solidFill>
               </a:rPr>
-              <a:t>4</a:t>
+              <a:t>0.32</a:t>
             </a:r>
             <a:endParaRPr kumimoji="1" lang="ja-JP" altLang="en-US" dirty="0">
               <a:solidFill>
-                <a:schemeClr val="tx1"/>
+                <a:schemeClr val="accent2"/>
               </a:solidFill>
             </a:endParaRPr>
           </a:p>
@@ -7391,32 +7572,38 @@
       </p:sp>
       <p:cxnSp>
         <p:nvCxnSpPr>
-          <p:cNvPr id="103" name="直線コネクタ 102">
-            <a:extLst>
-              <a:ext uri="{FF2B5EF4-FFF2-40B4-BE49-F238E27FC236}">
-                <a16:creationId xmlns:a16="http://schemas.microsoft.com/office/drawing/2014/main" id="{69C44B0D-BF3C-6EB1-41C9-F231BD414390}"/>
+          <p:cNvPr id="75" name="コネクタ: 曲線 74">
+            <a:extLst>
+              <a:ext uri="{FF2B5EF4-FFF2-40B4-BE49-F238E27FC236}">
+                <a16:creationId xmlns:a16="http://schemas.microsoft.com/office/drawing/2014/main" id="{A363525E-8293-DB8B-7E65-D852D6FC8F14}"/>
               </a:ext>
             </a:extLst>
           </p:cNvPr>
           <p:cNvCxnSpPr>
             <a:cxnSpLocks/>
-            <a:stCxn id="104" idx="6"/>
-            <a:endCxn id="102" idx="2"/>
+            <a:stCxn id="2" idx="5"/>
+            <a:endCxn id="2" idx="7"/>
           </p:cNvCxnSpPr>
           <p:nvPr/>
         </p:nvCxnSpPr>
         <p:spPr>
-          <a:xfrm>
-            <a:off x="3482482" y="4470397"/>
-            <a:ext cx="556482" cy="0"/>
-          </a:xfrm>
-          <a:prstGeom prst="line">
-            <a:avLst/>
-          </a:prstGeom>
-          <a:ln>
+          <a:xfrm rot="5400000" flipH="1">
+            <a:off x="4891014" y="1692495"/>
+            <a:ext cx="307423" cy="12700"/>
+          </a:xfrm>
+          <a:prstGeom prst="curvedConnector5">
+            <a:avLst>
+              <a:gd name="adj1" fmla="val -31220"/>
+              <a:gd name="adj2" fmla="val -5121252"/>
+              <a:gd name="adj3" fmla="val 165277"/>
+            </a:avLst>
+          </a:prstGeom>
+          <a:ln w="12700">
             <a:solidFill>
-              <a:schemeClr val="tx1"/>
+              <a:schemeClr val="accent2"/>
             </a:solidFill>
+            <a:prstDash val="sysDash"/>
+            <a:tailEnd type="triangle"/>
           </a:ln>
         </p:spPr>
         <p:style>
@@ -7436,63 +7623,44 @@
       </p:cxnSp>
       <p:sp>
         <p:nvSpPr>
-          <p:cNvPr id="104" name="楕円 103">
-            <a:extLst>
-              <a:ext uri="{FF2B5EF4-FFF2-40B4-BE49-F238E27FC236}">
-                <a16:creationId xmlns:a16="http://schemas.microsoft.com/office/drawing/2014/main" id="{7CC5E67B-17EA-0E0D-DC4D-17F23BA87DB7}"/>
-              </a:ext>
-            </a:extLst>
-          </p:cNvPr>
-          <p:cNvSpPr/>
-          <p:nvPr/>
-        </p:nvSpPr>
-        <p:spPr>
-          <a:xfrm>
-            <a:off x="3042511" y="4253015"/>
-            <a:ext cx="439971" cy="434763"/>
-          </a:xfrm>
-          <a:prstGeom prst="ellipse">
+          <p:cNvPr id="81" name="テキスト ボックス 80">
+            <a:extLst>
+              <a:ext uri="{FF2B5EF4-FFF2-40B4-BE49-F238E27FC236}">
+                <a16:creationId xmlns:a16="http://schemas.microsoft.com/office/drawing/2014/main" id="{A431AC9F-F1C3-4002-953A-BC0A834C2F7A}"/>
+              </a:ext>
+            </a:extLst>
+          </p:cNvPr>
+          <p:cNvSpPr txBox="1"/>
+          <p:nvPr/>
+        </p:nvSpPr>
+        <p:spPr>
+          <a:xfrm>
+            <a:off x="5659853" y="1505942"/>
+            <a:ext cx="746970" cy="369332"/>
+          </a:xfrm>
+          <a:prstGeom prst="rect">
             <a:avLst/>
           </a:prstGeom>
           <a:noFill/>
-          <a:ln>
-            <a:solidFill>
-              <a:schemeClr val="tx1"/>
-            </a:solidFill>
-          </a:ln>
-        </p:spPr>
-        <p:style>
-          <a:lnRef idx="2">
-            <a:schemeClr val="accent1">
-              <a:shade val="50000"/>
-            </a:schemeClr>
-          </a:lnRef>
-          <a:fillRef idx="1">
-            <a:schemeClr val="accent1"/>
-          </a:fillRef>
-          <a:effectRef idx="0">
-            <a:schemeClr val="accent1"/>
-          </a:effectRef>
-          <a:fontRef idx="minor">
-            <a:schemeClr val="lt1"/>
-          </a:fontRef>
-        </p:style>
-        <p:txBody>
-          <a:bodyPr rtlCol="0" anchor="ctr"/>
+        </p:spPr>
+        <p:txBody>
+          <a:bodyPr wrap="square" rtlCol="0">
+            <a:spAutoFit/>
+          </a:bodyPr>
           <a:lstStyle/>
           <a:p>
             <a:pPr algn="ctr"/>
             <a:r>
               <a:rPr kumimoji="1" lang="en-US" altLang="ja-JP" dirty="0">
                 <a:solidFill>
-                  <a:schemeClr val="tx1"/>
+                  <a:schemeClr val="accent2"/>
                 </a:solidFill>
               </a:rPr>
-              <a:t>0</a:t>
+              <a:t>0.99</a:t>
             </a:r>
             <a:endParaRPr kumimoji="1" lang="ja-JP" altLang="en-US" dirty="0">
               <a:solidFill>
-                <a:schemeClr val="tx1"/>
+                <a:schemeClr val="accent2"/>
               </a:solidFill>
             </a:endParaRPr>
           </a:p>
@@ -7500,32 +7668,30 @@
       </p:sp>
       <p:cxnSp>
         <p:nvCxnSpPr>
-          <p:cNvPr id="3" name="直線コネクタ 2">
-            <a:extLst>
-              <a:ext uri="{FF2B5EF4-FFF2-40B4-BE49-F238E27FC236}">
-                <a16:creationId xmlns:a16="http://schemas.microsoft.com/office/drawing/2014/main" id="{77AFF6F8-9CA7-9910-00AE-6EAC8F2AB456}"/>
+          <p:cNvPr id="20" name="直線矢印コネクタ 19">
+            <a:extLst>
+              <a:ext uri="{FF2B5EF4-FFF2-40B4-BE49-F238E27FC236}">
+                <a16:creationId xmlns:a16="http://schemas.microsoft.com/office/drawing/2014/main" id="{1A366061-C499-4EC8-0BF6-410DC15D8E32}"/>
               </a:ext>
             </a:extLst>
           </p:cNvPr>
           <p:cNvCxnSpPr>
             <a:cxnSpLocks/>
-            <a:stCxn id="6" idx="6"/>
-            <a:endCxn id="90" idx="2"/>
+            <a:stCxn id="51" idx="4"/>
+            <a:endCxn id="32" idx="6"/>
           </p:cNvCxnSpPr>
           <p:nvPr/>
         </p:nvCxnSpPr>
         <p:spPr>
-          <a:xfrm>
-            <a:off x="2469954" y="1956148"/>
-            <a:ext cx="556482" cy="0"/>
-          </a:xfrm>
-          <a:prstGeom prst="line">
-            <a:avLst/>
-          </a:prstGeom>
-          <a:ln>
-            <a:solidFill>
-              <a:schemeClr val="tx1"/>
-            </a:solidFill>
+          <a:xfrm flipH="1">
+            <a:off x="6198057" y="3798778"/>
+            <a:ext cx="2716524" cy="1726958"/>
+          </a:xfrm>
+          <a:prstGeom prst="straightConnector1">
+            <a:avLst/>
+          </a:prstGeom>
+          <a:ln w="12700">
+            <a:tailEnd type="triangle"/>
           </a:ln>
         </p:spPr>
         <p:style>
@@ -7545,63 +7711,44 @@
       </p:cxnSp>
       <p:sp>
         <p:nvSpPr>
-          <p:cNvPr id="6" name="楕円 5">
-            <a:extLst>
-              <a:ext uri="{FF2B5EF4-FFF2-40B4-BE49-F238E27FC236}">
-                <a16:creationId xmlns:a16="http://schemas.microsoft.com/office/drawing/2014/main" id="{77D87AF6-6053-0E5E-41FC-835957BA1897}"/>
-              </a:ext>
-            </a:extLst>
-          </p:cNvPr>
-          <p:cNvSpPr/>
-          <p:nvPr/>
-        </p:nvSpPr>
-        <p:spPr>
-          <a:xfrm>
-            <a:off x="2029983" y="1738766"/>
-            <a:ext cx="439971" cy="434763"/>
-          </a:xfrm>
-          <a:prstGeom prst="ellipse">
+          <p:cNvPr id="26" name="テキスト ボックス 25">
+            <a:extLst>
+              <a:ext uri="{FF2B5EF4-FFF2-40B4-BE49-F238E27FC236}">
+                <a16:creationId xmlns:a16="http://schemas.microsoft.com/office/drawing/2014/main" id="{5BC92342-13D9-C7EF-6D9A-2276D30FCB98}"/>
+              </a:ext>
+            </a:extLst>
+          </p:cNvPr>
+          <p:cNvSpPr txBox="1"/>
+          <p:nvPr/>
+        </p:nvSpPr>
+        <p:spPr>
+          <a:xfrm>
+            <a:off x="7402849" y="4662257"/>
+            <a:ext cx="746970" cy="369332"/>
+          </a:xfrm>
+          <a:prstGeom prst="rect">
             <a:avLst/>
           </a:prstGeom>
           <a:noFill/>
-          <a:ln>
-            <a:solidFill>
-              <a:schemeClr val="tx1"/>
-            </a:solidFill>
-          </a:ln>
-        </p:spPr>
-        <p:style>
-          <a:lnRef idx="2">
-            <a:schemeClr val="accent1">
-              <a:shade val="50000"/>
-            </a:schemeClr>
-          </a:lnRef>
-          <a:fillRef idx="1">
-            <a:schemeClr val="accent1"/>
-          </a:fillRef>
-          <a:effectRef idx="0">
-            <a:schemeClr val="accent1"/>
-          </a:effectRef>
-          <a:fontRef idx="minor">
-            <a:schemeClr val="lt1"/>
-          </a:fontRef>
-        </p:style>
-        <p:txBody>
-          <a:bodyPr rtlCol="0" anchor="ctr"/>
+        </p:spPr>
+        <p:txBody>
+          <a:bodyPr wrap="square" rtlCol="0">
+            <a:spAutoFit/>
+          </a:bodyPr>
           <a:lstStyle/>
           <a:p>
             <a:pPr algn="ctr"/>
             <a:r>
               <a:rPr lang="en-US" altLang="ja-JP" dirty="0">
                 <a:solidFill>
-                  <a:schemeClr val="tx1"/>
+                  <a:schemeClr val="accent1"/>
                 </a:solidFill>
               </a:rPr>
-              <a:t>0</a:t>
+              <a:t>0.98</a:t>
             </a:r>
             <a:endParaRPr kumimoji="1" lang="ja-JP" altLang="en-US" dirty="0">
               <a:solidFill>
-                <a:schemeClr val="tx1"/>
+                <a:schemeClr val="accent1"/>
               </a:solidFill>
             </a:endParaRPr>
           </a:p>
@@ -7609,32 +7756,30 @@
       </p:sp>
       <p:cxnSp>
         <p:nvCxnSpPr>
-          <p:cNvPr id="8" name="直線コネクタ 7">
-            <a:extLst>
-              <a:ext uri="{FF2B5EF4-FFF2-40B4-BE49-F238E27FC236}">
-                <a16:creationId xmlns:a16="http://schemas.microsoft.com/office/drawing/2014/main" id="{580E5ABF-203F-5B48-A798-845CE32C6FD7}"/>
+          <p:cNvPr id="35" name="直線矢印コネクタ 34">
+            <a:extLst>
+              <a:ext uri="{FF2B5EF4-FFF2-40B4-BE49-F238E27FC236}">
+                <a16:creationId xmlns:a16="http://schemas.microsoft.com/office/drawing/2014/main" id="{B4450950-48D9-3457-D249-896F182AA62B}"/>
               </a:ext>
             </a:extLst>
           </p:cNvPr>
           <p:cNvCxnSpPr>
             <a:cxnSpLocks/>
-            <a:stCxn id="51" idx="6"/>
-            <a:endCxn id="20" idx="2"/>
+            <a:stCxn id="32" idx="0"/>
+            <a:endCxn id="5" idx="4"/>
           </p:cNvCxnSpPr>
           <p:nvPr/>
         </p:nvCxnSpPr>
         <p:spPr>
-          <a:xfrm>
-            <a:off x="5475387" y="4470397"/>
-            <a:ext cx="527877" cy="2"/>
-          </a:xfrm>
-          <a:prstGeom prst="line">
-            <a:avLst/>
-          </a:prstGeom>
-          <a:ln>
-            <a:solidFill>
-              <a:schemeClr val="tx1"/>
-            </a:solidFill>
+          <a:xfrm flipV="1">
+            <a:off x="5978072" y="3793234"/>
+            <a:ext cx="609600" cy="1515120"/>
+          </a:xfrm>
+          <a:prstGeom prst="straightConnector1">
+            <a:avLst/>
+          </a:prstGeom>
+          <a:ln w="12700">
+            <a:tailEnd type="triangle"/>
           </a:ln>
         </p:spPr>
         <p:style>
@@ -7652,12 +7797,59 @@
           </a:fontRef>
         </p:style>
       </p:cxnSp>
-      <p:sp>
-        <p:nvSpPr>
-          <p:cNvPr id="17" name="テキスト ボックス 16">
-            <a:extLst>
-              <a:ext uri="{FF2B5EF4-FFF2-40B4-BE49-F238E27FC236}">
-                <a16:creationId xmlns:a16="http://schemas.microsoft.com/office/drawing/2014/main" id="{77F8248F-EC1B-F5BD-3376-79D13122BF0D}"/>
+      <p:cxnSp>
+        <p:nvCxnSpPr>
+          <p:cNvPr id="41" name="直線矢印コネクタ 40">
+            <a:extLst>
+              <a:ext uri="{FF2B5EF4-FFF2-40B4-BE49-F238E27FC236}">
+                <a16:creationId xmlns:a16="http://schemas.microsoft.com/office/drawing/2014/main" id="{7F6D6FB7-DBAA-51A7-AA5B-B8CD071E6576}"/>
+              </a:ext>
+            </a:extLst>
+          </p:cNvPr>
+          <p:cNvCxnSpPr>
+            <a:cxnSpLocks/>
+            <a:stCxn id="32" idx="1"/>
+            <a:endCxn id="2" idx="4"/>
+          </p:cNvCxnSpPr>
+          <p:nvPr/>
+        </p:nvCxnSpPr>
+        <p:spPr>
+          <a:xfrm flipH="1" flipV="1">
+            <a:off x="4889173" y="1909876"/>
+            <a:ext cx="933345" cy="3462148"/>
+          </a:xfrm>
+          <a:prstGeom prst="straightConnector1">
+            <a:avLst/>
+          </a:prstGeom>
+          <a:ln w="12700">
+            <a:solidFill>
+              <a:schemeClr val="accent2"/>
+            </a:solidFill>
+            <a:prstDash val="sysDash"/>
+            <a:tailEnd type="triangle"/>
+          </a:ln>
+        </p:spPr>
+        <p:style>
+          <a:lnRef idx="1">
+            <a:schemeClr val="accent1"/>
+          </a:lnRef>
+          <a:fillRef idx="0">
+            <a:schemeClr val="accent1"/>
+          </a:fillRef>
+          <a:effectRef idx="0">
+            <a:schemeClr val="accent1"/>
+          </a:effectRef>
+          <a:fontRef idx="minor">
+            <a:schemeClr val="tx1"/>
+          </a:fontRef>
+        </p:style>
+      </p:cxnSp>
+      <p:sp>
+        <p:nvSpPr>
+          <p:cNvPr id="48" name="テキスト ボックス 47">
+            <a:extLst>
+              <a:ext uri="{FF2B5EF4-FFF2-40B4-BE49-F238E27FC236}">
+                <a16:creationId xmlns:a16="http://schemas.microsoft.com/office/drawing/2014/main" id="{E5FAA339-4F85-FDD5-DC55-A064240BE0B8}"/>
               </a:ext>
             </a:extLst>
           </p:cNvPr>
@@ -7666,8 +7858,8 @@
         </p:nvSpPr>
         <p:spPr>
           <a:xfrm>
-            <a:off x="1930400" y="766629"/>
-            <a:ext cx="8331200" cy="646331"/>
+            <a:off x="4912466" y="4245509"/>
+            <a:ext cx="746970" cy="369332"/>
           </a:xfrm>
           <a:prstGeom prst="rect">
             <a:avLst/>
@@ -7680,123 +7872,354 @@
           </a:bodyPr>
           <a:lstStyle/>
           <a:p>
-            <a:r>
-              <a:rPr lang="en-US" altLang="ja-JP" b="0" i="0" dirty="0">
+            <a:pPr algn="ctr"/>
+            <a:r>
+              <a:rPr lang="en-US" altLang="ja-JP" dirty="0">
                 <a:solidFill>
-                  <a:srgbClr val="212121"/>
+                  <a:schemeClr val="accent2"/>
                 </a:solidFill>
-                <a:effectLst/>
-                <a:latin typeface="Courier New" panose="02070309020205020404" pitchFamily="49" charset="0"/>
               </a:rPr>
-              <a:t>The probability that all labels are outputted along the most likely state transition: -44.88421062069136</a:t>
-            </a:r>
-            <a:r>
-              <a:rPr lang="ja-JP" altLang="en-US" b="0" i="0" dirty="0">
-                <a:solidFill>
-                  <a:srgbClr val="212121"/>
-                </a:solidFill>
-                <a:effectLst/>
-                <a:latin typeface="Courier New" panose="02070309020205020404" pitchFamily="49" charset="0"/>
-              </a:rPr>
-              <a:t>（対数表示）</a:t>
-            </a:r>
-            <a:endParaRPr kumimoji="1" lang="ja-JP" altLang="en-US" dirty="0"/>
-          </a:p>
-        </p:txBody>
-      </p:sp>
-      <p:pic>
-        <p:nvPicPr>
-          <p:cNvPr id="1026" name="Picture 2">
-            <a:extLst>
-              <a:ext uri="{FF2B5EF4-FFF2-40B4-BE49-F238E27FC236}">
-                <a16:creationId xmlns:a16="http://schemas.microsoft.com/office/drawing/2014/main" id="{DA98605D-938E-2862-AD24-EF2570C1E252}"/>
-              </a:ext>
-            </a:extLst>
-          </p:cNvPr>
-          <p:cNvPicPr>
-            <a:picLocks noChangeAspect="1" noChangeArrowheads="1"/>
-          </p:cNvPicPr>
-          <p:nvPr/>
-        </p:nvPicPr>
-        <p:blipFill>
-          <a:blip r:embed="rId2">
-            <a:extLst>
-              <a:ext uri="{28A0092B-C50C-407E-A947-70E740481C1C}">
-                <a14:useLocalDpi xmlns:a14="http://schemas.microsoft.com/office/drawing/2010/main" val="0"/>
-              </a:ext>
-            </a:extLst>
-          </a:blip>
-          <a:srcRect/>
-          <a:stretch>
-            <a:fillRect/>
-          </a:stretch>
-        </p:blipFill>
-        <p:spPr bwMode="auto">
-          <a:xfrm>
-            <a:off x="6971112" y="4253013"/>
-            <a:ext cx="4147083" cy="1840492"/>
+              <a:t>0.98</a:t>
+            </a:r>
+            <a:endParaRPr kumimoji="1" lang="ja-JP" altLang="en-US" dirty="0">
+              <a:solidFill>
+                <a:schemeClr val="accent2"/>
+              </a:solidFill>
+            </a:endParaRPr>
+          </a:p>
+        </p:txBody>
+      </p:sp>
+      <p:cxnSp>
+        <p:nvCxnSpPr>
+          <p:cNvPr id="57" name="直線矢印コネクタ 56">
+            <a:extLst>
+              <a:ext uri="{FF2B5EF4-FFF2-40B4-BE49-F238E27FC236}">
+                <a16:creationId xmlns:a16="http://schemas.microsoft.com/office/drawing/2014/main" id="{E603B05E-065E-56BF-A039-C31CE5036B0E}"/>
+              </a:ext>
+            </a:extLst>
+          </p:cNvPr>
+          <p:cNvCxnSpPr>
+            <a:cxnSpLocks/>
+            <a:stCxn id="34" idx="5"/>
+            <a:endCxn id="32" idx="3"/>
+          </p:cNvCxnSpPr>
+          <p:nvPr/>
+        </p:nvCxnSpPr>
+        <p:spPr>
+          <a:xfrm>
+            <a:off x="4581543" y="5679447"/>
+            <a:ext cx="1240975" cy="0"/>
+          </a:xfrm>
+          <a:prstGeom prst="straightConnector1">
+            <a:avLst/>
+          </a:prstGeom>
+          <a:ln w="12700">
+            <a:solidFill>
+              <a:schemeClr val="accent2"/>
+            </a:solidFill>
+            <a:prstDash val="sysDash"/>
+            <a:tailEnd type="triangle"/>
+          </a:ln>
+        </p:spPr>
+        <p:style>
+          <a:lnRef idx="1">
+            <a:schemeClr val="accent1"/>
+          </a:lnRef>
+          <a:fillRef idx="0">
+            <a:schemeClr val="accent1"/>
+          </a:fillRef>
+          <a:effectRef idx="0">
+            <a:schemeClr val="accent1"/>
+          </a:effectRef>
+          <a:fontRef idx="minor">
+            <a:schemeClr val="tx1"/>
+          </a:fontRef>
+        </p:style>
+      </p:cxnSp>
+      <p:sp>
+        <p:nvSpPr>
+          <p:cNvPr id="63" name="テキスト ボックス 62">
+            <a:extLst>
+              <a:ext uri="{FF2B5EF4-FFF2-40B4-BE49-F238E27FC236}">
+                <a16:creationId xmlns:a16="http://schemas.microsoft.com/office/drawing/2014/main" id="{CE3DD0FD-7D3B-86F0-9A54-A268D82C9C02}"/>
+              </a:ext>
+            </a:extLst>
+          </p:cNvPr>
+          <p:cNvSpPr txBox="1"/>
+          <p:nvPr/>
+        </p:nvSpPr>
+        <p:spPr>
+          <a:xfrm>
+            <a:off x="4770867" y="5695467"/>
+            <a:ext cx="746970" cy="369332"/>
           </a:xfrm>
           <a:prstGeom prst="rect">
             <a:avLst/>
           </a:prstGeom>
           <a:noFill/>
-          <a:extLst>
-            <a:ext uri="{909E8E84-426E-40DD-AFC4-6F175D3DCCD1}">
-              <a14:hiddenFill xmlns:a14="http://schemas.microsoft.com/office/drawing/2010/main">
-                <a:solidFill>
-                  <a:srgbClr val="FFFFFF"/>
-                </a:solidFill>
-              </a14:hiddenFill>
-            </a:ext>
-          </a:extLst>
-        </p:spPr>
-      </p:pic>
-      <p:sp>
-        <p:nvSpPr>
-          <p:cNvPr id="9" name="テキスト ボックス 8">
-            <a:extLst>
-              <a:ext uri="{FF2B5EF4-FFF2-40B4-BE49-F238E27FC236}">
-                <a16:creationId xmlns:a16="http://schemas.microsoft.com/office/drawing/2014/main" id="{6C1493F6-39E2-FE09-6421-EF8A271869AC}"/>
-              </a:ext>
-            </a:extLst>
-          </p:cNvPr>
-          <p:cNvSpPr txBox="1"/>
-          <p:nvPr/>
-        </p:nvSpPr>
-        <p:spPr>
-          <a:xfrm>
-            <a:off x="8874825" y="5906705"/>
-            <a:ext cx="974889" cy="369332"/>
-          </a:xfrm>
-          <a:prstGeom prst="rect">
-            <a:avLst/>
-          </a:prstGeom>
-          <a:noFill/>
-        </p:spPr>
-        <p:txBody>
-          <a:bodyPr wrap="square">
+        </p:spPr>
+        <p:txBody>
+          <a:bodyPr wrap="square" rtlCol="0">
             <a:spAutoFit/>
           </a:bodyPr>
           <a:lstStyle/>
           <a:p>
-            <a:pPr algn="l"/>
-            <a:r>
-              <a:rPr lang="en-US" altLang="ja-JP" b="1" i="0" dirty="0">
+            <a:pPr algn="ctr"/>
+            <a:r>
+              <a:rPr lang="en-US" altLang="ja-JP" dirty="0">
                 <a:solidFill>
-                  <a:srgbClr val="000000"/>
+                  <a:schemeClr val="accent2"/>
                 </a:solidFill>
-                <a:effectLst/>
-                <a:latin typeface="arial" panose="020B0604020202020204" pitchFamily="34" charset="0"/>
               </a:rPr>
-              <a:t>SNFG</a:t>
-            </a:r>
+              <a:t>0.62</a:t>
+            </a:r>
+            <a:endParaRPr kumimoji="1" lang="ja-JP" altLang="en-US" dirty="0">
+              <a:solidFill>
+                <a:schemeClr val="accent2"/>
+              </a:solidFill>
+            </a:endParaRPr>
+          </a:p>
+        </p:txBody>
+      </p:sp>
+      <p:cxnSp>
+        <p:nvCxnSpPr>
+          <p:cNvPr id="64" name="直線矢印コネクタ 63">
+            <a:extLst>
+              <a:ext uri="{FF2B5EF4-FFF2-40B4-BE49-F238E27FC236}">
+                <a16:creationId xmlns:a16="http://schemas.microsoft.com/office/drawing/2014/main" id="{38317CE0-B245-3A76-3E83-70E6E7E7E07A}"/>
+              </a:ext>
+            </a:extLst>
+          </p:cNvPr>
+          <p:cNvCxnSpPr>
+            <a:cxnSpLocks/>
+            <a:stCxn id="6" idx="7"/>
+            <a:endCxn id="5" idx="1"/>
+          </p:cNvCxnSpPr>
+          <p:nvPr/>
+        </p:nvCxnSpPr>
+        <p:spPr>
+          <a:xfrm flipV="1">
+            <a:off x="3826801" y="3422141"/>
+            <a:ext cx="2605317" cy="11897"/>
+          </a:xfrm>
+          <a:prstGeom prst="straightConnector1">
+            <a:avLst/>
+          </a:prstGeom>
+          <a:ln w="12700">
+            <a:solidFill>
+              <a:schemeClr val="accent2"/>
+            </a:solidFill>
+            <a:prstDash val="sysDash"/>
+            <a:tailEnd type="triangle"/>
+          </a:ln>
+        </p:spPr>
+        <p:style>
+          <a:lnRef idx="1">
+            <a:schemeClr val="accent1"/>
+          </a:lnRef>
+          <a:fillRef idx="0">
+            <a:schemeClr val="accent1"/>
+          </a:fillRef>
+          <a:effectRef idx="0">
+            <a:schemeClr val="accent1"/>
+          </a:effectRef>
+          <a:fontRef idx="minor">
+            <a:schemeClr val="tx1"/>
+          </a:fontRef>
+        </p:style>
+      </p:cxnSp>
+      <p:sp>
+        <p:nvSpPr>
+          <p:cNvPr id="77" name="テキスト ボックス 76">
+            <a:extLst>
+              <a:ext uri="{FF2B5EF4-FFF2-40B4-BE49-F238E27FC236}">
+                <a16:creationId xmlns:a16="http://schemas.microsoft.com/office/drawing/2014/main" id="{651CBFBF-DB04-7B6D-AF80-23DED02F3DFE}"/>
+              </a:ext>
+            </a:extLst>
+          </p:cNvPr>
+          <p:cNvSpPr txBox="1"/>
+          <p:nvPr/>
+        </p:nvSpPr>
+        <p:spPr>
+          <a:xfrm>
+            <a:off x="4135933" y="3769864"/>
+            <a:ext cx="746970" cy="369332"/>
+          </a:xfrm>
+          <a:prstGeom prst="rect">
+            <a:avLst/>
+          </a:prstGeom>
+          <a:noFill/>
+        </p:spPr>
+        <p:txBody>
+          <a:bodyPr wrap="square" rtlCol="0">
+            <a:spAutoFit/>
+          </a:bodyPr>
+          <a:lstStyle/>
+          <a:p>
+            <a:pPr algn="ctr"/>
+            <a:r>
+              <a:rPr kumimoji="1" lang="en-US" altLang="ja-JP" dirty="0">
+                <a:solidFill>
+                  <a:schemeClr val="accent2"/>
+                </a:solidFill>
+              </a:rPr>
+              <a:t>0.62</a:t>
+            </a:r>
+            <a:endParaRPr kumimoji="1" lang="ja-JP" altLang="en-US" dirty="0">
+              <a:solidFill>
+                <a:schemeClr val="accent2"/>
+              </a:solidFill>
+            </a:endParaRPr>
+          </a:p>
+        </p:txBody>
+      </p:sp>
+      <p:cxnSp>
+        <p:nvCxnSpPr>
+          <p:cNvPr id="78" name="直線矢印コネクタ 77">
+            <a:extLst>
+              <a:ext uri="{FF2B5EF4-FFF2-40B4-BE49-F238E27FC236}">
+                <a16:creationId xmlns:a16="http://schemas.microsoft.com/office/drawing/2014/main" id="{926C1752-53A1-8E0B-8B79-AC840BD3DCBD}"/>
+              </a:ext>
+            </a:extLst>
+          </p:cNvPr>
+          <p:cNvCxnSpPr>
+            <a:cxnSpLocks/>
+            <a:stCxn id="5" idx="3"/>
+            <a:endCxn id="6" idx="5"/>
+          </p:cNvCxnSpPr>
+          <p:nvPr/>
+        </p:nvCxnSpPr>
+        <p:spPr>
+          <a:xfrm flipH="1">
+            <a:off x="3826801" y="3729564"/>
+            <a:ext cx="2605317" cy="11897"/>
+          </a:xfrm>
+          <a:prstGeom prst="straightConnector1">
+            <a:avLst/>
+          </a:prstGeom>
+          <a:ln w="12700">
+            <a:solidFill>
+              <a:schemeClr val="accent2"/>
+            </a:solidFill>
+            <a:prstDash val="sysDash"/>
+            <a:tailEnd type="triangle"/>
+          </a:ln>
+        </p:spPr>
+        <p:style>
+          <a:lnRef idx="1">
+            <a:schemeClr val="accent1"/>
+          </a:lnRef>
+          <a:fillRef idx="0">
+            <a:schemeClr val="accent1"/>
+          </a:fillRef>
+          <a:effectRef idx="0">
+            <a:schemeClr val="accent1"/>
+          </a:effectRef>
+          <a:fontRef idx="minor">
+            <a:schemeClr val="tx1"/>
+          </a:fontRef>
+        </p:style>
+      </p:cxnSp>
+      <p:cxnSp>
+        <p:nvCxnSpPr>
+          <p:cNvPr id="86" name="コネクタ: 曲線 85">
+            <a:extLst>
+              <a:ext uri="{FF2B5EF4-FFF2-40B4-BE49-F238E27FC236}">
+                <a16:creationId xmlns:a16="http://schemas.microsoft.com/office/drawing/2014/main" id="{25FD628D-D568-C16E-786D-48241BC62681}"/>
+              </a:ext>
+            </a:extLst>
+          </p:cNvPr>
+          <p:cNvCxnSpPr>
+            <a:cxnSpLocks/>
+            <a:stCxn id="5" idx="6"/>
+            <a:endCxn id="5" idx="2"/>
+          </p:cNvCxnSpPr>
+          <p:nvPr/>
+        </p:nvCxnSpPr>
+        <p:spPr>
+          <a:xfrm flipH="1">
+            <a:off x="6367686" y="3575853"/>
+            <a:ext cx="439971" cy="12700"/>
+          </a:xfrm>
+          <a:prstGeom prst="curvedConnector5">
+            <a:avLst>
+              <a:gd name="adj1" fmla="val -35463"/>
+              <a:gd name="adj2" fmla="val -5402622"/>
+              <a:gd name="adj3" fmla="val 145360"/>
+            </a:avLst>
+          </a:prstGeom>
+          <a:ln w="12700">
+            <a:solidFill>
+              <a:schemeClr val="accent2"/>
+            </a:solidFill>
+            <a:prstDash val="sysDash"/>
+            <a:tailEnd type="triangle"/>
+          </a:ln>
+        </p:spPr>
+        <p:style>
+          <a:lnRef idx="1">
+            <a:schemeClr val="accent1"/>
+          </a:lnRef>
+          <a:fillRef idx="0">
+            <a:schemeClr val="accent1"/>
+          </a:fillRef>
+          <a:effectRef idx="0">
+            <a:schemeClr val="accent1"/>
+          </a:effectRef>
+          <a:fontRef idx="minor">
+            <a:schemeClr val="tx1"/>
+          </a:fontRef>
+        </p:style>
+      </p:cxnSp>
+      <p:sp>
+        <p:nvSpPr>
+          <p:cNvPr id="91" name="テキスト ボックス 90">
+            <a:extLst>
+              <a:ext uri="{FF2B5EF4-FFF2-40B4-BE49-F238E27FC236}">
+                <a16:creationId xmlns:a16="http://schemas.microsoft.com/office/drawing/2014/main" id="{454093C7-0E2B-9753-41C1-0B1416DECFA6}"/>
+              </a:ext>
+            </a:extLst>
+          </p:cNvPr>
+          <p:cNvSpPr txBox="1"/>
+          <p:nvPr/>
+        </p:nvSpPr>
+        <p:spPr>
+          <a:xfrm>
+            <a:off x="6214186" y="2530742"/>
+            <a:ext cx="746970" cy="369332"/>
+          </a:xfrm>
+          <a:prstGeom prst="rect">
+            <a:avLst/>
+          </a:prstGeom>
+          <a:noFill/>
+        </p:spPr>
+        <p:txBody>
+          <a:bodyPr wrap="square" rtlCol="0">
+            <a:spAutoFit/>
+          </a:bodyPr>
+          <a:lstStyle/>
+          <a:p>
+            <a:pPr algn="ctr"/>
+            <a:r>
+              <a:rPr lang="en-US" altLang="ja-JP" dirty="0">
+                <a:solidFill>
+                  <a:schemeClr val="accent2"/>
+                </a:solidFill>
+              </a:rPr>
+              <a:t>0.38</a:t>
+            </a:r>
+            <a:endParaRPr kumimoji="1" lang="ja-JP" altLang="en-US" dirty="0">
+              <a:solidFill>
+                <a:schemeClr val="accent2"/>
+              </a:solidFill>
+            </a:endParaRPr>
           </a:p>
         </p:txBody>
       </p:sp>
     </p:spTree>
     <p:extLst>
       <p:ext uri="{BB962C8B-B14F-4D97-AF65-F5344CB8AC3E}">
-        <p14:creationId xmlns:p14="http://schemas.microsoft.com/office/powerpoint/2010/main" val="1488004092"/>
+        <p14:creationId xmlns:p14="http://schemas.microsoft.com/office/powerpoint/2010/main" val="950051674"/>
       </p:ext>
     </p:extLst>
   </p:cSld>
@@ -8045,6 +8468,1767 @@
           <a:p>
             <a:pPr algn="ctr"/>
             <a:r>
+              <a:rPr kumimoji="1" lang="en-US" altLang="ja-JP" dirty="0">
+                <a:solidFill>
+                  <a:schemeClr val="tx1"/>
+                </a:solidFill>
+              </a:rPr>
+              <a:t>1</a:t>
+            </a:r>
+            <a:endParaRPr kumimoji="1" lang="ja-JP" altLang="en-US" dirty="0">
+              <a:solidFill>
+                <a:schemeClr val="tx1"/>
+              </a:solidFill>
+            </a:endParaRPr>
+          </a:p>
+        </p:txBody>
+      </p:sp>
+      <p:cxnSp>
+        <p:nvCxnSpPr>
+          <p:cNvPr id="16" name="直線コネクタ 15">
+            <a:extLst>
+              <a:ext uri="{FF2B5EF4-FFF2-40B4-BE49-F238E27FC236}">
+                <a16:creationId xmlns:a16="http://schemas.microsoft.com/office/drawing/2014/main" id="{3A4231B4-3565-5623-E3D4-DFF863B012DB}"/>
+              </a:ext>
+            </a:extLst>
+          </p:cNvPr>
+          <p:cNvCxnSpPr>
+            <a:cxnSpLocks/>
+            <a:stCxn id="15" idx="6"/>
+            <a:endCxn id="5" idx="2"/>
+          </p:cNvCxnSpPr>
+          <p:nvPr/>
+        </p:nvCxnSpPr>
+        <p:spPr>
+          <a:xfrm>
+            <a:off x="7416248" y="3428999"/>
+            <a:ext cx="533040" cy="1"/>
+          </a:xfrm>
+          <a:prstGeom prst="line">
+            <a:avLst/>
+          </a:prstGeom>
+          <a:ln>
+            <a:solidFill>
+              <a:schemeClr val="tx1"/>
+            </a:solidFill>
+          </a:ln>
+        </p:spPr>
+        <p:style>
+          <a:lnRef idx="1">
+            <a:schemeClr val="accent1"/>
+          </a:lnRef>
+          <a:fillRef idx="0">
+            <a:schemeClr val="accent1"/>
+          </a:fillRef>
+          <a:effectRef idx="0">
+            <a:schemeClr val="accent1"/>
+          </a:effectRef>
+          <a:fontRef idx="minor">
+            <a:schemeClr val="tx1"/>
+          </a:fontRef>
+        </p:style>
+      </p:cxnSp>
+      <p:sp>
+        <p:nvSpPr>
+          <p:cNvPr id="19" name="楕円 18">
+            <a:extLst>
+              <a:ext uri="{FF2B5EF4-FFF2-40B4-BE49-F238E27FC236}">
+                <a16:creationId xmlns:a16="http://schemas.microsoft.com/office/drawing/2014/main" id="{F298F2AF-6D9A-4BE2-B86D-1BCB2DFA6915}"/>
+              </a:ext>
+            </a:extLst>
+          </p:cNvPr>
+          <p:cNvSpPr/>
+          <p:nvPr/>
+        </p:nvSpPr>
+        <p:spPr>
+          <a:xfrm>
+            <a:off x="6003265" y="2170221"/>
+            <a:ext cx="439971" cy="434763"/>
+          </a:xfrm>
+          <a:prstGeom prst="ellipse">
+            <a:avLst/>
+          </a:prstGeom>
+          <a:noFill/>
+          <a:ln>
+            <a:solidFill>
+              <a:schemeClr val="tx1"/>
+            </a:solidFill>
+          </a:ln>
+        </p:spPr>
+        <p:style>
+          <a:lnRef idx="2">
+            <a:schemeClr val="accent1">
+              <a:shade val="50000"/>
+            </a:schemeClr>
+          </a:lnRef>
+          <a:fillRef idx="1">
+            <a:schemeClr val="accent1"/>
+          </a:fillRef>
+          <a:effectRef idx="0">
+            <a:schemeClr val="accent1"/>
+          </a:effectRef>
+          <a:fontRef idx="minor">
+            <a:schemeClr val="lt1"/>
+          </a:fontRef>
+        </p:style>
+        <p:txBody>
+          <a:bodyPr rtlCol="0" anchor="ctr"/>
+          <a:lstStyle/>
+          <a:p>
+            <a:pPr algn="ctr"/>
+            <a:r>
+              <a:rPr kumimoji="1" lang="en-US" altLang="ja-JP" dirty="0">
+                <a:solidFill>
+                  <a:schemeClr val="tx1"/>
+                </a:solidFill>
+              </a:rPr>
+              <a:t>0</a:t>
+            </a:r>
+            <a:endParaRPr kumimoji="1" lang="ja-JP" altLang="en-US" dirty="0">
+              <a:solidFill>
+                <a:schemeClr val="tx1"/>
+              </a:solidFill>
+            </a:endParaRPr>
+          </a:p>
+        </p:txBody>
+      </p:sp>
+      <p:sp>
+        <p:nvSpPr>
+          <p:cNvPr id="20" name="楕円 19">
+            <a:extLst>
+              <a:ext uri="{FF2B5EF4-FFF2-40B4-BE49-F238E27FC236}">
+                <a16:creationId xmlns:a16="http://schemas.microsoft.com/office/drawing/2014/main" id="{98118023-75A8-13FF-B3AC-006BB2EB8EDC}"/>
+              </a:ext>
+            </a:extLst>
+          </p:cNvPr>
+          <p:cNvSpPr/>
+          <p:nvPr/>
+        </p:nvSpPr>
+        <p:spPr>
+          <a:xfrm>
+            <a:off x="6003264" y="4253017"/>
+            <a:ext cx="439971" cy="434763"/>
+          </a:xfrm>
+          <a:prstGeom prst="ellipse">
+            <a:avLst/>
+          </a:prstGeom>
+          <a:noFill/>
+          <a:ln>
+            <a:solidFill>
+              <a:schemeClr val="tx1"/>
+            </a:solidFill>
+          </a:ln>
+        </p:spPr>
+        <p:style>
+          <a:lnRef idx="2">
+            <a:schemeClr val="accent1">
+              <a:shade val="50000"/>
+            </a:schemeClr>
+          </a:lnRef>
+          <a:fillRef idx="1">
+            <a:schemeClr val="accent1"/>
+          </a:fillRef>
+          <a:effectRef idx="0">
+            <a:schemeClr val="accent1"/>
+          </a:effectRef>
+          <a:fontRef idx="minor">
+            <a:schemeClr val="lt1"/>
+          </a:fontRef>
+        </p:style>
+        <p:txBody>
+          <a:bodyPr rtlCol="0" anchor="ctr"/>
+          <a:lstStyle/>
+          <a:p>
+            <a:pPr algn="ctr"/>
+            <a:r>
+              <a:rPr kumimoji="1" lang="en-US" altLang="ja-JP" dirty="0">
+                <a:solidFill>
+                  <a:schemeClr val="tx1"/>
+                </a:solidFill>
+              </a:rPr>
+              <a:t>3</a:t>
+            </a:r>
+            <a:endParaRPr kumimoji="1" lang="ja-JP" altLang="en-US" dirty="0">
+              <a:solidFill>
+                <a:schemeClr val="tx1"/>
+              </a:solidFill>
+            </a:endParaRPr>
+          </a:p>
+        </p:txBody>
+      </p:sp>
+      <p:cxnSp>
+        <p:nvCxnSpPr>
+          <p:cNvPr id="21" name="直線コネクタ 20">
+            <a:extLst>
+              <a:ext uri="{FF2B5EF4-FFF2-40B4-BE49-F238E27FC236}">
+                <a16:creationId xmlns:a16="http://schemas.microsoft.com/office/drawing/2014/main" id="{5070F677-61C6-9C9B-5F79-303AFF26D89A}"/>
+              </a:ext>
+            </a:extLst>
+          </p:cNvPr>
+          <p:cNvCxnSpPr>
+            <a:cxnSpLocks/>
+            <a:stCxn id="19" idx="5"/>
+            <a:endCxn id="15" idx="1"/>
+          </p:cNvCxnSpPr>
+          <p:nvPr/>
+        </p:nvCxnSpPr>
+        <p:spPr>
+          <a:xfrm>
+            <a:off x="6378804" y="2541314"/>
+            <a:ext cx="661905" cy="733973"/>
+          </a:xfrm>
+          <a:prstGeom prst="line">
+            <a:avLst/>
+          </a:prstGeom>
+          <a:ln>
+            <a:solidFill>
+              <a:schemeClr val="tx1"/>
+            </a:solidFill>
+          </a:ln>
+        </p:spPr>
+        <p:style>
+          <a:lnRef idx="1">
+            <a:schemeClr val="accent1"/>
+          </a:lnRef>
+          <a:fillRef idx="0">
+            <a:schemeClr val="accent1"/>
+          </a:fillRef>
+          <a:effectRef idx="0">
+            <a:schemeClr val="accent1"/>
+          </a:effectRef>
+          <a:fontRef idx="minor">
+            <a:schemeClr val="tx1"/>
+          </a:fontRef>
+        </p:style>
+      </p:cxnSp>
+      <p:cxnSp>
+        <p:nvCxnSpPr>
+          <p:cNvPr id="24" name="直線コネクタ 23">
+            <a:extLst>
+              <a:ext uri="{FF2B5EF4-FFF2-40B4-BE49-F238E27FC236}">
+                <a16:creationId xmlns:a16="http://schemas.microsoft.com/office/drawing/2014/main" id="{F82A930C-F5AB-FBE4-A327-C027ABD864A4}"/>
+              </a:ext>
+            </a:extLst>
+          </p:cNvPr>
+          <p:cNvCxnSpPr>
+            <a:cxnSpLocks/>
+            <a:stCxn id="20" idx="7"/>
+            <a:endCxn id="15" idx="3"/>
+          </p:cNvCxnSpPr>
+          <p:nvPr/>
+        </p:nvCxnSpPr>
+        <p:spPr>
+          <a:xfrm flipV="1">
+            <a:off x="6378803" y="3582710"/>
+            <a:ext cx="661906" cy="733977"/>
+          </a:xfrm>
+          <a:prstGeom prst="line">
+            <a:avLst/>
+          </a:prstGeom>
+          <a:ln>
+            <a:solidFill>
+              <a:schemeClr val="tx1"/>
+            </a:solidFill>
+          </a:ln>
+        </p:spPr>
+        <p:style>
+          <a:lnRef idx="1">
+            <a:schemeClr val="accent1"/>
+          </a:lnRef>
+          <a:fillRef idx="0">
+            <a:schemeClr val="accent1"/>
+          </a:fillRef>
+          <a:effectRef idx="0">
+            <a:schemeClr val="accent1"/>
+          </a:effectRef>
+          <a:fontRef idx="minor">
+            <a:schemeClr val="tx1"/>
+          </a:fontRef>
+        </p:style>
+      </p:cxnSp>
+      <p:sp>
+        <p:nvSpPr>
+          <p:cNvPr id="29" name="楕円 28">
+            <a:extLst>
+              <a:ext uri="{FF2B5EF4-FFF2-40B4-BE49-F238E27FC236}">
+                <a16:creationId xmlns:a16="http://schemas.microsoft.com/office/drawing/2014/main" id="{1CD800FD-B353-1171-2988-83C6857DE156}"/>
+              </a:ext>
+            </a:extLst>
+          </p:cNvPr>
+          <p:cNvSpPr/>
+          <p:nvPr/>
+        </p:nvSpPr>
+        <p:spPr>
+          <a:xfrm>
+            <a:off x="5003576" y="2604984"/>
+            <a:ext cx="439971" cy="434763"/>
+          </a:xfrm>
+          <a:prstGeom prst="ellipse">
+            <a:avLst/>
+          </a:prstGeom>
+          <a:noFill/>
+          <a:ln>
+            <a:solidFill>
+              <a:schemeClr val="tx1"/>
+            </a:solidFill>
+          </a:ln>
+        </p:spPr>
+        <p:style>
+          <a:lnRef idx="2">
+            <a:schemeClr val="accent1">
+              <a:shade val="50000"/>
+            </a:schemeClr>
+          </a:lnRef>
+          <a:fillRef idx="1">
+            <a:schemeClr val="accent1"/>
+          </a:fillRef>
+          <a:effectRef idx="0">
+            <a:schemeClr val="accent1"/>
+          </a:effectRef>
+          <a:fontRef idx="minor">
+            <a:schemeClr val="lt1"/>
+          </a:fontRef>
+        </p:style>
+        <p:txBody>
+          <a:bodyPr rtlCol="0" anchor="ctr"/>
+          <a:lstStyle/>
+          <a:p>
+            <a:pPr algn="ctr"/>
+            <a:r>
+              <a:rPr kumimoji="1" lang="en-US" altLang="ja-JP" dirty="0">
+                <a:solidFill>
+                  <a:schemeClr val="tx1"/>
+                </a:solidFill>
+              </a:rPr>
+              <a:t>3</a:t>
+            </a:r>
+            <a:endParaRPr kumimoji="1" lang="ja-JP" altLang="en-US" dirty="0">
+              <a:solidFill>
+                <a:schemeClr val="tx1"/>
+              </a:solidFill>
+            </a:endParaRPr>
+          </a:p>
+        </p:txBody>
+      </p:sp>
+      <p:sp>
+        <p:nvSpPr>
+          <p:cNvPr id="33" name="楕円 32">
+            <a:extLst>
+              <a:ext uri="{FF2B5EF4-FFF2-40B4-BE49-F238E27FC236}">
+                <a16:creationId xmlns:a16="http://schemas.microsoft.com/office/drawing/2014/main" id="{81EAF303-AF4F-6280-C2E6-44197D523A05}"/>
+              </a:ext>
+            </a:extLst>
+          </p:cNvPr>
+          <p:cNvSpPr/>
+          <p:nvPr/>
+        </p:nvSpPr>
+        <p:spPr>
+          <a:xfrm>
+            <a:off x="5019342" y="1738766"/>
+            <a:ext cx="439971" cy="434763"/>
+          </a:xfrm>
+          <a:prstGeom prst="ellipse">
+            <a:avLst/>
+          </a:prstGeom>
+          <a:noFill/>
+          <a:ln>
+            <a:solidFill>
+              <a:schemeClr val="tx1"/>
+            </a:solidFill>
+          </a:ln>
+        </p:spPr>
+        <p:style>
+          <a:lnRef idx="2">
+            <a:schemeClr val="accent1">
+              <a:shade val="50000"/>
+            </a:schemeClr>
+          </a:lnRef>
+          <a:fillRef idx="1">
+            <a:schemeClr val="accent1"/>
+          </a:fillRef>
+          <a:effectRef idx="0">
+            <a:schemeClr val="accent1"/>
+          </a:effectRef>
+          <a:fontRef idx="minor">
+            <a:schemeClr val="lt1"/>
+          </a:fontRef>
+        </p:style>
+        <p:txBody>
+          <a:bodyPr rtlCol="0" anchor="ctr"/>
+          <a:lstStyle/>
+          <a:p>
+            <a:pPr algn="ctr"/>
+            <a:r>
+              <a:rPr kumimoji="1" lang="en-US" altLang="ja-JP" dirty="0">
+                <a:solidFill>
+                  <a:schemeClr val="tx1"/>
+                </a:solidFill>
+              </a:rPr>
+              <a:t>0</a:t>
+            </a:r>
+            <a:endParaRPr kumimoji="1" lang="ja-JP" altLang="en-US" dirty="0">
+              <a:solidFill>
+                <a:schemeClr val="tx1"/>
+              </a:solidFill>
+            </a:endParaRPr>
+          </a:p>
+        </p:txBody>
+      </p:sp>
+      <p:cxnSp>
+        <p:nvCxnSpPr>
+          <p:cNvPr id="35" name="直線コネクタ 34">
+            <a:extLst>
+              <a:ext uri="{FF2B5EF4-FFF2-40B4-BE49-F238E27FC236}">
+                <a16:creationId xmlns:a16="http://schemas.microsoft.com/office/drawing/2014/main" id="{3394F000-E77A-B6D4-022D-10AACDA928FB}"/>
+              </a:ext>
+            </a:extLst>
+          </p:cNvPr>
+          <p:cNvCxnSpPr>
+            <a:cxnSpLocks/>
+            <a:stCxn id="33" idx="6"/>
+            <a:endCxn id="19" idx="1"/>
+          </p:cNvCxnSpPr>
+          <p:nvPr/>
+        </p:nvCxnSpPr>
+        <p:spPr>
+          <a:xfrm>
+            <a:off x="5459313" y="1956148"/>
+            <a:ext cx="608384" cy="277743"/>
+          </a:xfrm>
+          <a:prstGeom prst="line">
+            <a:avLst/>
+          </a:prstGeom>
+          <a:ln>
+            <a:solidFill>
+              <a:schemeClr val="tx1"/>
+            </a:solidFill>
+          </a:ln>
+        </p:spPr>
+        <p:style>
+          <a:lnRef idx="1">
+            <a:schemeClr val="accent1"/>
+          </a:lnRef>
+          <a:fillRef idx="0">
+            <a:schemeClr val="accent1"/>
+          </a:fillRef>
+          <a:effectRef idx="0">
+            <a:schemeClr val="accent1"/>
+          </a:effectRef>
+          <a:fontRef idx="minor">
+            <a:schemeClr val="tx1"/>
+          </a:fontRef>
+        </p:style>
+      </p:cxnSp>
+      <p:cxnSp>
+        <p:nvCxnSpPr>
+          <p:cNvPr id="48" name="直線コネクタ 47">
+            <a:extLst>
+              <a:ext uri="{FF2B5EF4-FFF2-40B4-BE49-F238E27FC236}">
+                <a16:creationId xmlns:a16="http://schemas.microsoft.com/office/drawing/2014/main" id="{38153412-84F5-4E64-1F56-01EEB3020D40}"/>
+              </a:ext>
+            </a:extLst>
+          </p:cNvPr>
+          <p:cNvCxnSpPr>
+            <a:cxnSpLocks/>
+            <a:stCxn id="29" idx="6"/>
+            <a:endCxn id="19" idx="3"/>
+          </p:cNvCxnSpPr>
+          <p:nvPr/>
+        </p:nvCxnSpPr>
+        <p:spPr>
+          <a:xfrm flipV="1">
+            <a:off x="5443547" y="2541314"/>
+            <a:ext cx="624150" cy="281052"/>
+          </a:xfrm>
+          <a:prstGeom prst="line">
+            <a:avLst/>
+          </a:prstGeom>
+          <a:ln>
+            <a:solidFill>
+              <a:schemeClr val="tx1"/>
+            </a:solidFill>
+          </a:ln>
+        </p:spPr>
+        <p:style>
+          <a:lnRef idx="1">
+            <a:schemeClr val="accent1"/>
+          </a:lnRef>
+          <a:fillRef idx="0">
+            <a:schemeClr val="accent1"/>
+          </a:fillRef>
+          <a:effectRef idx="0">
+            <a:schemeClr val="accent1"/>
+          </a:effectRef>
+          <a:fontRef idx="minor">
+            <a:schemeClr val="tx1"/>
+          </a:fontRef>
+        </p:style>
+      </p:cxnSp>
+      <p:sp>
+        <p:nvSpPr>
+          <p:cNvPr id="51" name="楕円 50">
+            <a:extLst>
+              <a:ext uri="{FF2B5EF4-FFF2-40B4-BE49-F238E27FC236}">
+                <a16:creationId xmlns:a16="http://schemas.microsoft.com/office/drawing/2014/main" id="{936398A2-1B1A-ADAB-C692-B1CDC54323CD}"/>
+              </a:ext>
+            </a:extLst>
+          </p:cNvPr>
+          <p:cNvSpPr/>
+          <p:nvPr/>
+        </p:nvSpPr>
+        <p:spPr>
+          <a:xfrm>
+            <a:off x="5035416" y="4253015"/>
+            <a:ext cx="439971" cy="434763"/>
+          </a:xfrm>
+          <a:prstGeom prst="ellipse">
+            <a:avLst/>
+          </a:prstGeom>
+          <a:noFill/>
+          <a:ln>
+            <a:solidFill>
+              <a:schemeClr val="tx1"/>
+            </a:solidFill>
+          </a:ln>
+        </p:spPr>
+        <p:style>
+          <a:lnRef idx="2">
+            <a:schemeClr val="accent1">
+              <a:shade val="50000"/>
+            </a:schemeClr>
+          </a:lnRef>
+          <a:fillRef idx="1">
+            <a:schemeClr val="accent1"/>
+          </a:fillRef>
+          <a:effectRef idx="0">
+            <a:schemeClr val="accent1"/>
+          </a:effectRef>
+          <a:fontRef idx="minor">
+            <a:schemeClr val="lt1"/>
+          </a:fontRef>
+        </p:style>
+        <p:txBody>
+          <a:bodyPr rtlCol="0" anchor="ctr"/>
+          <a:lstStyle/>
+          <a:p>
+            <a:pPr algn="ctr"/>
+            <a:r>
+              <a:rPr lang="en-US" altLang="ja-JP" dirty="0">
+                <a:solidFill>
+                  <a:schemeClr val="tx1"/>
+                </a:solidFill>
+              </a:rPr>
+              <a:t>5</a:t>
+            </a:r>
+            <a:endParaRPr kumimoji="1" lang="ja-JP" altLang="en-US" dirty="0">
+              <a:solidFill>
+                <a:schemeClr val="tx1"/>
+              </a:solidFill>
+            </a:endParaRPr>
+          </a:p>
+        </p:txBody>
+      </p:sp>
+      <p:cxnSp>
+        <p:nvCxnSpPr>
+          <p:cNvPr id="66" name="直線コネクタ 65">
+            <a:extLst>
+              <a:ext uri="{FF2B5EF4-FFF2-40B4-BE49-F238E27FC236}">
+                <a16:creationId xmlns:a16="http://schemas.microsoft.com/office/drawing/2014/main" id="{0D73DC1B-4788-4BEA-BCD5-5A95101381AA}"/>
+              </a:ext>
+            </a:extLst>
+          </p:cNvPr>
+          <p:cNvCxnSpPr>
+            <a:cxnSpLocks/>
+            <a:stCxn id="68" idx="6"/>
+            <a:endCxn id="33" idx="2"/>
+          </p:cNvCxnSpPr>
+          <p:nvPr/>
+        </p:nvCxnSpPr>
+        <p:spPr>
+          <a:xfrm>
+            <a:off x="4462860" y="1956148"/>
+            <a:ext cx="556482" cy="0"/>
+          </a:xfrm>
+          <a:prstGeom prst="line">
+            <a:avLst/>
+          </a:prstGeom>
+          <a:ln>
+            <a:solidFill>
+              <a:schemeClr val="tx1"/>
+            </a:solidFill>
+          </a:ln>
+        </p:spPr>
+        <p:style>
+          <a:lnRef idx="1">
+            <a:schemeClr val="accent1"/>
+          </a:lnRef>
+          <a:fillRef idx="0">
+            <a:schemeClr val="accent1"/>
+          </a:fillRef>
+          <a:effectRef idx="0">
+            <a:schemeClr val="accent1"/>
+          </a:effectRef>
+          <a:fontRef idx="minor">
+            <a:schemeClr val="tx1"/>
+          </a:fontRef>
+        </p:style>
+      </p:cxnSp>
+      <p:sp>
+        <p:nvSpPr>
+          <p:cNvPr id="68" name="楕円 67">
+            <a:extLst>
+              <a:ext uri="{FF2B5EF4-FFF2-40B4-BE49-F238E27FC236}">
+                <a16:creationId xmlns:a16="http://schemas.microsoft.com/office/drawing/2014/main" id="{78219453-3070-8E5F-6244-96693EC9F5A2}"/>
+              </a:ext>
+            </a:extLst>
+          </p:cNvPr>
+          <p:cNvSpPr/>
+          <p:nvPr/>
+        </p:nvSpPr>
+        <p:spPr>
+          <a:xfrm>
+            <a:off x="4022889" y="1738766"/>
+            <a:ext cx="439971" cy="434763"/>
+          </a:xfrm>
+          <a:prstGeom prst="ellipse">
+            <a:avLst/>
+          </a:prstGeom>
+          <a:noFill/>
+          <a:ln>
+            <a:solidFill>
+              <a:schemeClr val="tx1"/>
+            </a:solidFill>
+          </a:ln>
+        </p:spPr>
+        <p:style>
+          <a:lnRef idx="2">
+            <a:schemeClr val="accent1">
+              <a:shade val="50000"/>
+            </a:schemeClr>
+          </a:lnRef>
+          <a:fillRef idx="1">
+            <a:schemeClr val="accent1"/>
+          </a:fillRef>
+          <a:effectRef idx="0">
+            <a:schemeClr val="accent1"/>
+          </a:effectRef>
+          <a:fontRef idx="minor">
+            <a:schemeClr val="lt1"/>
+          </a:fontRef>
+        </p:style>
+        <p:txBody>
+          <a:bodyPr rtlCol="0" anchor="ctr"/>
+          <a:lstStyle/>
+          <a:p>
+            <a:pPr algn="ctr"/>
+            <a:r>
+              <a:rPr lang="en-US" altLang="ja-JP" dirty="0">
+                <a:solidFill>
+                  <a:schemeClr val="tx1"/>
+                </a:solidFill>
+              </a:rPr>
+              <a:t>5</a:t>
+            </a:r>
+            <a:endParaRPr kumimoji="1" lang="ja-JP" altLang="en-US" dirty="0">
+              <a:solidFill>
+                <a:schemeClr val="tx1"/>
+              </a:solidFill>
+            </a:endParaRPr>
+          </a:p>
+        </p:txBody>
+      </p:sp>
+      <p:cxnSp>
+        <p:nvCxnSpPr>
+          <p:cNvPr id="89" name="直線コネクタ 88">
+            <a:extLst>
+              <a:ext uri="{FF2B5EF4-FFF2-40B4-BE49-F238E27FC236}">
+                <a16:creationId xmlns:a16="http://schemas.microsoft.com/office/drawing/2014/main" id="{219E3501-C614-A6C3-7C21-28CF0F8C4DF5}"/>
+              </a:ext>
+            </a:extLst>
+          </p:cNvPr>
+          <p:cNvCxnSpPr>
+            <a:cxnSpLocks/>
+            <a:stCxn id="90" idx="6"/>
+            <a:endCxn id="68" idx="2"/>
+          </p:cNvCxnSpPr>
+          <p:nvPr/>
+        </p:nvCxnSpPr>
+        <p:spPr>
+          <a:xfrm>
+            <a:off x="3466407" y="1956148"/>
+            <a:ext cx="556482" cy="0"/>
+          </a:xfrm>
+          <a:prstGeom prst="line">
+            <a:avLst/>
+          </a:prstGeom>
+          <a:ln>
+            <a:solidFill>
+              <a:schemeClr val="tx1"/>
+            </a:solidFill>
+          </a:ln>
+        </p:spPr>
+        <p:style>
+          <a:lnRef idx="1">
+            <a:schemeClr val="accent1"/>
+          </a:lnRef>
+          <a:fillRef idx="0">
+            <a:schemeClr val="accent1"/>
+          </a:fillRef>
+          <a:effectRef idx="0">
+            <a:schemeClr val="accent1"/>
+          </a:effectRef>
+          <a:fontRef idx="minor">
+            <a:schemeClr val="tx1"/>
+          </a:fontRef>
+        </p:style>
+      </p:cxnSp>
+      <p:sp>
+        <p:nvSpPr>
+          <p:cNvPr id="90" name="楕円 89">
+            <a:extLst>
+              <a:ext uri="{FF2B5EF4-FFF2-40B4-BE49-F238E27FC236}">
+                <a16:creationId xmlns:a16="http://schemas.microsoft.com/office/drawing/2014/main" id="{2185B69C-2469-826A-A26E-3F85300008CD}"/>
+              </a:ext>
+            </a:extLst>
+          </p:cNvPr>
+          <p:cNvSpPr/>
+          <p:nvPr/>
+        </p:nvSpPr>
+        <p:spPr>
+          <a:xfrm>
+            <a:off x="3026436" y="1738766"/>
+            <a:ext cx="439971" cy="434763"/>
+          </a:xfrm>
+          <a:prstGeom prst="ellipse">
+            <a:avLst/>
+          </a:prstGeom>
+          <a:noFill/>
+          <a:ln>
+            <a:solidFill>
+              <a:schemeClr val="tx1"/>
+            </a:solidFill>
+          </a:ln>
+        </p:spPr>
+        <p:style>
+          <a:lnRef idx="2">
+            <a:schemeClr val="accent1">
+              <a:shade val="50000"/>
+            </a:schemeClr>
+          </a:lnRef>
+          <a:fillRef idx="1">
+            <a:schemeClr val="accent1"/>
+          </a:fillRef>
+          <a:effectRef idx="0">
+            <a:schemeClr val="accent1"/>
+          </a:effectRef>
+          <a:fontRef idx="minor">
+            <a:schemeClr val="lt1"/>
+          </a:fontRef>
+        </p:style>
+        <p:txBody>
+          <a:bodyPr rtlCol="0" anchor="ctr"/>
+          <a:lstStyle/>
+          <a:p>
+            <a:pPr algn="ctr"/>
+            <a:r>
+              <a:rPr lang="en-US" altLang="ja-JP" dirty="0">
+                <a:solidFill>
+                  <a:schemeClr val="tx1"/>
+                </a:solidFill>
+              </a:rPr>
+              <a:t>4</a:t>
+            </a:r>
+            <a:endParaRPr kumimoji="1" lang="ja-JP" altLang="en-US" dirty="0">
+              <a:solidFill>
+                <a:schemeClr val="tx1"/>
+              </a:solidFill>
+            </a:endParaRPr>
+          </a:p>
+        </p:txBody>
+      </p:sp>
+      <p:cxnSp>
+        <p:nvCxnSpPr>
+          <p:cNvPr id="92" name="直線コネクタ 91">
+            <a:extLst>
+              <a:ext uri="{FF2B5EF4-FFF2-40B4-BE49-F238E27FC236}">
+                <a16:creationId xmlns:a16="http://schemas.microsoft.com/office/drawing/2014/main" id="{F0188C79-281A-7EB4-B7A7-0B74E0A01B6C}"/>
+              </a:ext>
+            </a:extLst>
+          </p:cNvPr>
+          <p:cNvCxnSpPr>
+            <a:cxnSpLocks/>
+            <a:stCxn id="93" idx="6"/>
+            <a:endCxn id="29" idx="2"/>
+          </p:cNvCxnSpPr>
+          <p:nvPr/>
+        </p:nvCxnSpPr>
+        <p:spPr>
+          <a:xfrm>
+            <a:off x="4462860" y="2822366"/>
+            <a:ext cx="540716" cy="0"/>
+          </a:xfrm>
+          <a:prstGeom prst="line">
+            <a:avLst/>
+          </a:prstGeom>
+          <a:ln>
+            <a:solidFill>
+              <a:schemeClr val="tx1"/>
+            </a:solidFill>
+          </a:ln>
+        </p:spPr>
+        <p:style>
+          <a:lnRef idx="1">
+            <a:schemeClr val="accent1"/>
+          </a:lnRef>
+          <a:fillRef idx="0">
+            <a:schemeClr val="accent1"/>
+          </a:fillRef>
+          <a:effectRef idx="0">
+            <a:schemeClr val="accent1"/>
+          </a:effectRef>
+          <a:fontRef idx="minor">
+            <a:schemeClr val="tx1"/>
+          </a:fontRef>
+        </p:style>
+      </p:cxnSp>
+      <p:sp>
+        <p:nvSpPr>
+          <p:cNvPr id="93" name="楕円 92">
+            <a:extLst>
+              <a:ext uri="{FF2B5EF4-FFF2-40B4-BE49-F238E27FC236}">
+                <a16:creationId xmlns:a16="http://schemas.microsoft.com/office/drawing/2014/main" id="{72B03E98-54FC-6EE9-49BB-063EFC599DCE}"/>
+              </a:ext>
+            </a:extLst>
+          </p:cNvPr>
+          <p:cNvSpPr/>
+          <p:nvPr/>
+        </p:nvSpPr>
+        <p:spPr>
+          <a:xfrm>
+            <a:off x="4022889" y="2604984"/>
+            <a:ext cx="439971" cy="434763"/>
+          </a:xfrm>
+          <a:prstGeom prst="ellipse">
+            <a:avLst/>
+          </a:prstGeom>
+          <a:noFill/>
+          <a:ln>
+            <a:solidFill>
+              <a:schemeClr val="tx1"/>
+            </a:solidFill>
+          </a:ln>
+        </p:spPr>
+        <p:style>
+          <a:lnRef idx="2">
+            <a:schemeClr val="accent1">
+              <a:shade val="50000"/>
+            </a:schemeClr>
+          </a:lnRef>
+          <a:fillRef idx="1">
+            <a:schemeClr val="accent1"/>
+          </a:fillRef>
+          <a:effectRef idx="0">
+            <a:schemeClr val="accent1"/>
+          </a:effectRef>
+          <a:fontRef idx="minor">
+            <a:schemeClr val="lt1"/>
+          </a:fontRef>
+        </p:style>
+        <p:txBody>
+          <a:bodyPr rtlCol="0" anchor="ctr"/>
+          <a:lstStyle/>
+          <a:p>
+            <a:pPr algn="ctr"/>
+            <a:r>
+              <a:rPr lang="en-US" altLang="ja-JP" dirty="0">
+                <a:solidFill>
+                  <a:schemeClr val="tx1"/>
+                </a:solidFill>
+              </a:rPr>
+              <a:t>5</a:t>
+            </a:r>
+            <a:endParaRPr kumimoji="1" lang="ja-JP" altLang="en-US" dirty="0">
+              <a:solidFill>
+                <a:schemeClr val="tx1"/>
+              </a:solidFill>
+            </a:endParaRPr>
+          </a:p>
+        </p:txBody>
+      </p:sp>
+      <p:cxnSp>
+        <p:nvCxnSpPr>
+          <p:cNvPr id="94" name="直線コネクタ 93">
+            <a:extLst>
+              <a:ext uri="{FF2B5EF4-FFF2-40B4-BE49-F238E27FC236}">
+                <a16:creationId xmlns:a16="http://schemas.microsoft.com/office/drawing/2014/main" id="{2A3434F9-101A-C370-87D9-B8A615A1B98C}"/>
+              </a:ext>
+            </a:extLst>
+          </p:cNvPr>
+          <p:cNvCxnSpPr>
+            <a:cxnSpLocks/>
+            <a:stCxn id="95" idx="6"/>
+            <a:endCxn id="93" idx="2"/>
+          </p:cNvCxnSpPr>
+          <p:nvPr/>
+        </p:nvCxnSpPr>
+        <p:spPr>
+          <a:xfrm>
+            <a:off x="3467843" y="2822366"/>
+            <a:ext cx="555046" cy="0"/>
+          </a:xfrm>
+          <a:prstGeom prst="line">
+            <a:avLst/>
+          </a:prstGeom>
+          <a:ln>
+            <a:solidFill>
+              <a:schemeClr val="tx1"/>
+            </a:solidFill>
+          </a:ln>
+        </p:spPr>
+        <p:style>
+          <a:lnRef idx="1">
+            <a:schemeClr val="accent1"/>
+          </a:lnRef>
+          <a:fillRef idx="0">
+            <a:schemeClr val="accent1"/>
+          </a:fillRef>
+          <a:effectRef idx="0">
+            <a:schemeClr val="accent1"/>
+          </a:effectRef>
+          <a:fontRef idx="minor">
+            <a:schemeClr val="tx1"/>
+          </a:fontRef>
+        </p:style>
+      </p:cxnSp>
+      <p:sp>
+        <p:nvSpPr>
+          <p:cNvPr id="95" name="楕円 94">
+            <a:extLst>
+              <a:ext uri="{FF2B5EF4-FFF2-40B4-BE49-F238E27FC236}">
+                <a16:creationId xmlns:a16="http://schemas.microsoft.com/office/drawing/2014/main" id="{9BADADBC-278B-8A91-3D80-907EC7D90CD2}"/>
+              </a:ext>
+            </a:extLst>
+          </p:cNvPr>
+          <p:cNvSpPr/>
+          <p:nvPr/>
+        </p:nvSpPr>
+        <p:spPr>
+          <a:xfrm>
+            <a:off x="3027872" y="2604984"/>
+            <a:ext cx="439971" cy="434763"/>
+          </a:xfrm>
+          <a:prstGeom prst="ellipse">
+            <a:avLst/>
+          </a:prstGeom>
+          <a:noFill/>
+          <a:ln>
+            <a:solidFill>
+              <a:schemeClr val="tx1"/>
+            </a:solidFill>
+          </a:ln>
+        </p:spPr>
+        <p:style>
+          <a:lnRef idx="2">
+            <a:schemeClr val="accent1">
+              <a:shade val="50000"/>
+            </a:schemeClr>
+          </a:lnRef>
+          <a:fillRef idx="1">
+            <a:schemeClr val="accent1"/>
+          </a:fillRef>
+          <a:effectRef idx="0">
+            <a:schemeClr val="accent1"/>
+          </a:effectRef>
+          <a:fontRef idx="minor">
+            <a:schemeClr val="lt1"/>
+          </a:fontRef>
+        </p:style>
+        <p:txBody>
+          <a:bodyPr rtlCol="0" anchor="ctr"/>
+          <a:lstStyle/>
+          <a:p>
+            <a:pPr algn="ctr"/>
+            <a:r>
+              <a:rPr kumimoji="1" lang="en-US" altLang="ja-JP" dirty="0">
+                <a:solidFill>
+                  <a:schemeClr val="tx1"/>
+                </a:solidFill>
+              </a:rPr>
+              <a:t>4</a:t>
+            </a:r>
+            <a:endParaRPr kumimoji="1" lang="ja-JP" altLang="en-US" dirty="0">
+              <a:solidFill>
+                <a:schemeClr val="tx1"/>
+              </a:solidFill>
+            </a:endParaRPr>
+          </a:p>
+        </p:txBody>
+      </p:sp>
+      <p:cxnSp>
+        <p:nvCxnSpPr>
+          <p:cNvPr id="101" name="直線コネクタ 100">
+            <a:extLst>
+              <a:ext uri="{FF2B5EF4-FFF2-40B4-BE49-F238E27FC236}">
+                <a16:creationId xmlns:a16="http://schemas.microsoft.com/office/drawing/2014/main" id="{662F5556-2EA0-97A9-8869-4603EFD5B92B}"/>
+              </a:ext>
+            </a:extLst>
+          </p:cNvPr>
+          <p:cNvCxnSpPr>
+            <a:cxnSpLocks/>
+            <a:stCxn id="102" idx="6"/>
+            <a:endCxn id="51" idx="2"/>
+          </p:cNvCxnSpPr>
+          <p:nvPr/>
+        </p:nvCxnSpPr>
+        <p:spPr>
+          <a:xfrm>
+            <a:off x="4478935" y="4470397"/>
+            <a:ext cx="556481" cy="0"/>
+          </a:xfrm>
+          <a:prstGeom prst="line">
+            <a:avLst/>
+          </a:prstGeom>
+          <a:ln>
+            <a:solidFill>
+              <a:schemeClr val="tx1"/>
+            </a:solidFill>
+          </a:ln>
+        </p:spPr>
+        <p:style>
+          <a:lnRef idx="1">
+            <a:schemeClr val="accent1"/>
+          </a:lnRef>
+          <a:fillRef idx="0">
+            <a:schemeClr val="accent1"/>
+          </a:fillRef>
+          <a:effectRef idx="0">
+            <a:schemeClr val="accent1"/>
+          </a:effectRef>
+          <a:fontRef idx="minor">
+            <a:schemeClr val="tx1"/>
+          </a:fontRef>
+        </p:style>
+      </p:cxnSp>
+      <p:sp>
+        <p:nvSpPr>
+          <p:cNvPr id="102" name="楕円 101">
+            <a:extLst>
+              <a:ext uri="{FF2B5EF4-FFF2-40B4-BE49-F238E27FC236}">
+                <a16:creationId xmlns:a16="http://schemas.microsoft.com/office/drawing/2014/main" id="{5109BDEE-2DC4-30E4-B752-3C1E79E02695}"/>
+              </a:ext>
+            </a:extLst>
+          </p:cNvPr>
+          <p:cNvSpPr/>
+          <p:nvPr/>
+        </p:nvSpPr>
+        <p:spPr>
+          <a:xfrm>
+            <a:off x="4038964" y="4253015"/>
+            <a:ext cx="439971" cy="434763"/>
+          </a:xfrm>
+          <a:prstGeom prst="ellipse">
+            <a:avLst/>
+          </a:prstGeom>
+          <a:noFill/>
+          <a:ln>
+            <a:solidFill>
+              <a:schemeClr val="tx1"/>
+            </a:solidFill>
+          </a:ln>
+        </p:spPr>
+        <p:style>
+          <a:lnRef idx="2">
+            <a:schemeClr val="accent1">
+              <a:shade val="50000"/>
+            </a:schemeClr>
+          </a:lnRef>
+          <a:fillRef idx="1">
+            <a:schemeClr val="accent1"/>
+          </a:fillRef>
+          <a:effectRef idx="0">
+            <a:schemeClr val="accent1"/>
+          </a:effectRef>
+          <a:fontRef idx="minor">
+            <a:schemeClr val="lt1"/>
+          </a:fontRef>
+        </p:style>
+        <p:txBody>
+          <a:bodyPr rtlCol="0" anchor="ctr"/>
+          <a:lstStyle/>
+          <a:p>
+            <a:pPr algn="ctr"/>
+            <a:r>
+              <a:rPr lang="en-US" altLang="ja-JP" dirty="0">
+                <a:solidFill>
+                  <a:schemeClr val="tx1"/>
+                </a:solidFill>
+              </a:rPr>
+              <a:t>4</a:t>
+            </a:r>
+            <a:endParaRPr kumimoji="1" lang="ja-JP" altLang="en-US" dirty="0">
+              <a:solidFill>
+                <a:schemeClr val="tx1"/>
+              </a:solidFill>
+            </a:endParaRPr>
+          </a:p>
+        </p:txBody>
+      </p:sp>
+      <p:cxnSp>
+        <p:nvCxnSpPr>
+          <p:cNvPr id="103" name="直線コネクタ 102">
+            <a:extLst>
+              <a:ext uri="{FF2B5EF4-FFF2-40B4-BE49-F238E27FC236}">
+                <a16:creationId xmlns:a16="http://schemas.microsoft.com/office/drawing/2014/main" id="{69C44B0D-BF3C-6EB1-41C9-F231BD414390}"/>
+              </a:ext>
+            </a:extLst>
+          </p:cNvPr>
+          <p:cNvCxnSpPr>
+            <a:cxnSpLocks/>
+            <a:stCxn id="104" idx="6"/>
+            <a:endCxn id="102" idx="2"/>
+          </p:cNvCxnSpPr>
+          <p:nvPr/>
+        </p:nvCxnSpPr>
+        <p:spPr>
+          <a:xfrm>
+            <a:off x="3482482" y="4470397"/>
+            <a:ext cx="556482" cy="0"/>
+          </a:xfrm>
+          <a:prstGeom prst="line">
+            <a:avLst/>
+          </a:prstGeom>
+          <a:ln>
+            <a:solidFill>
+              <a:schemeClr val="tx1"/>
+            </a:solidFill>
+          </a:ln>
+        </p:spPr>
+        <p:style>
+          <a:lnRef idx="1">
+            <a:schemeClr val="accent1"/>
+          </a:lnRef>
+          <a:fillRef idx="0">
+            <a:schemeClr val="accent1"/>
+          </a:fillRef>
+          <a:effectRef idx="0">
+            <a:schemeClr val="accent1"/>
+          </a:effectRef>
+          <a:fontRef idx="minor">
+            <a:schemeClr val="tx1"/>
+          </a:fontRef>
+        </p:style>
+      </p:cxnSp>
+      <p:sp>
+        <p:nvSpPr>
+          <p:cNvPr id="104" name="楕円 103">
+            <a:extLst>
+              <a:ext uri="{FF2B5EF4-FFF2-40B4-BE49-F238E27FC236}">
+                <a16:creationId xmlns:a16="http://schemas.microsoft.com/office/drawing/2014/main" id="{7CC5E67B-17EA-0E0D-DC4D-17F23BA87DB7}"/>
+              </a:ext>
+            </a:extLst>
+          </p:cNvPr>
+          <p:cNvSpPr/>
+          <p:nvPr/>
+        </p:nvSpPr>
+        <p:spPr>
+          <a:xfrm>
+            <a:off x="3042511" y="4253015"/>
+            <a:ext cx="439971" cy="434763"/>
+          </a:xfrm>
+          <a:prstGeom prst="ellipse">
+            <a:avLst/>
+          </a:prstGeom>
+          <a:noFill/>
+          <a:ln>
+            <a:solidFill>
+              <a:schemeClr val="tx1"/>
+            </a:solidFill>
+          </a:ln>
+        </p:spPr>
+        <p:style>
+          <a:lnRef idx="2">
+            <a:schemeClr val="accent1">
+              <a:shade val="50000"/>
+            </a:schemeClr>
+          </a:lnRef>
+          <a:fillRef idx="1">
+            <a:schemeClr val="accent1"/>
+          </a:fillRef>
+          <a:effectRef idx="0">
+            <a:schemeClr val="accent1"/>
+          </a:effectRef>
+          <a:fontRef idx="minor">
+            <a:schemeClr val="lt1"/>
+          </a:fontRef>
+        </p:style>
+        <p:txBody>
+          <a:bodyPr rtlCol="0" anchor="ctr"/>
+          <a:lstStyle/>
+          <a:p>
+            <a:pPr algn="ctr"/>
+            <a:r>
+              <a:rPr kumimoji="1" lang="en-US" altLang="ja-JP" dirty="0">
+                <a:solidFill>
+                  <a:schemeClr val="tx1"/>
+                </a:solidFill>
+              </a:rPr>
+              <a:t>0</a:t>
+            </a:r>
+            <a:endParaRPr kumimoji="1" lang="ja-JP" altLang="en-US" dirty="0">
+              <a:solidFill>
+                <a:schemeClr val="tx1"/>
+              </a:solidFill>
+            </a:endParaRPr>
+          </a:p>
+        </p:txBody>
+      </p:sp>
+      <p:cxnSp>
+        <p:nvCxnSpPr>
+          <p:cNvPr id="3" name="直線コネクタ 2">
+            <a:extLst>
+              <a:ext uri="{FF2B5EF4-FFF2-40B4-BE49-F238E27FC236}">
+                <a16:creationId xmlns:a16="http://schemas.microsoft.com/office/drawing/2014/main" id="{77AFF6F8-9CA7-9910-00AE-6EAC8F2AB456}"/>
+              </a:ext>
+            </a:extLst>
+          </p:cNvPr>
+          <p:cNvCxnSpPr>
+            <a:cxnSpLocks/>
+            <a:stCxn id="6" idx="6"/>
+            <a:endCxn id="90" idx="2"/>
+          </p:cNvCxnSpPr>
+          <p:nvPr/>
+        </p:nvCxnSpPr>
+        <p:spPr>
+          <a:xfrm>
+            <a:off x="2469954" y="1956148"/>
+            <a:ext cx="556482" cy="0"/>
+          </a:xfrm>
+          <a:prstGeom prst="line">
+            <a:avLst/>
+          </a:prstGeom>
+          <a:ln>
+            <a:solidFill>
+              <a:schemeClr val="tx1"/>
+            </a:solidFill>
+          </a:ln>
+        </p:spPr>
+        <p:style>
+          <a:lnRef idx="1">
+            <a:schemeClr val="accent1"/>
+          </a:lnRef>
+          <a:fillRef idx="0">
+            <a:schemeClr val="accent1"/>
+          </a:fillRef>
+          <a:effectRef idx="0">
+            <a:schemeClr val="accent1"/>
+          </a:effectRef>
+          <a:fontRef idx="minor">
+            <a:schemeClr val="tx1"/>
+          </a:fontRef>
+        </p:style>
+      </p:cxnSp>
+      <p:sp>
+        <p:nvSpPr>
+          <p:cNvPr id="6" name="楕円 5">
+            <a:extLst>
+              <a:ext uri="{FF2B5EF4-FFF2-40B4-BE49-F238E27FC236}">
+                <a16:creationId xmlns:a16="http://schemas.microsoft.com/office/drawing/2014/main" id="{77D87AF6-6053-0E5E-41FC-835957BA1897}"/>
+              </a:ext>
+            </a:extLst>
+          </p:cNvPr>
+          <p:cNvSpPr/>
+          <p:nvPr/>
+        </p:nvSpPr>
+        <p:spPr>
+          <a:xfrm>
+            <a:off x="2029983" y="1738766"/>
+            <a:ext cx="439971" cy="434763"/>
+          </a:xfrm>
+          <a:prstGeom prst="ellipse">
+            <a:avLst/>
+          </a:prstGeom>
+          <a:noFill/>
+          <a:ln>
+            <a:solidFill>
+              <a:schemeClr val="tx1"/>
+            </a:solidFill>
+          </a:ln>
+        </p:spPr>
+        <p:style>
+          <a:lnRef idx="2">
+            <a:schemeClr val="accent1">
+              <a:shade val="50000"/>
+            </a:schemeClr>
+          </a:lnRef>
+          <a:fillRef idx="1">
+            <a:schemeClr val="accent1"/>
+          </a:fillRef>
+          <a:effectRef idx="0">
+            <a:schemeClr val="accent1"/>
+          </a:effectRef>
+          <a:fontRef idx="minor">
+            <a:schemeClr val="lt1"/>
+          </a:fontRef>
+        </p:style>
+        <p:txBody>
+          <a:bodyPr rtlCol="0" anchor="ctr"/>
+          <a:lstStyle/>
+          <a:p>
+            <a:pPr algn="ctr"/>
+            <a:r>
+              <a:rPr lang="en-US" altLang="ja-JP" dirty="0">
+                <a:solidFill>
+                  <a:schemeClr val="tx1"/>
+                </a:solidFill>
+              </a:rPr>
+              <a:t>0</a:t>
+            </a:r>
+            <a:endParaRPr kumimoji="1" lang="ja-JP" altLang="en-US" dirty="0">
+              <a:solidFill>
+                <a:schemeClr val="tx1"/>
+              </a:solidFill>
+            </a:endParaRPr>
+          </a:p>
+        </p:txBody>
+      </p:sp>
+      <p:cxnSp>
+        <p:nvCxnSpPr>
+          <p:cNvPr id="8" name="直線コネクタ 7">
+            <a:extLst>
+              <a:ext uri="{FF2B5EF4-FFF2-40B4-BE49-F238E27FC236}">
+                <a16:creationId xmlns:a16="http://schemas.microsoft.com/office/drawing/2014/main" id="{580E5ABF-203F-5B48-A798-845CE32C6FD7}"/>
+              </a:ext>
+            </a:extLst>
+          </p:cNvPr>
+          <p:cNvCxnSpPr>
+            <a:cxnSpLocks/>
+            <a:stCxn id="51" idx="6"/>
+            <a:endCxn id="20" idx="2"/>
+          </p:cNvCxnSpPr>
+          <p:nvPr/>
+        </p:nvCxnSpPr>
+        <p:spPr>
+          <a:xfrm>
+            <a:off x="5475387" y="4470397"/>
+            <a:ext cx="527877" cy="2"/>
+          </a:xfrm>
+          <a:prstGeom prst="line">
+            <a:avLst/>
+          </a:prstGeom>
+          <a:ln>
+            <a:solidFill>
+              <a:schemeClr val="tx1"/>
+            </a:solidFill>
+          </a:ln>
+        </p:spPr>
+        <p:style>
+          <a:lnRef idx="1">
+            <a:schemeClr val="accent1"/>
+          </a:lnRef>
+          <a:fillRef idx="0">
+            <a:schemeClr val="accent1"/>
+          </a:fillRef>
+          <a:effectRef idx="0">
+            <a:schemeClr val="accent1"/>
+          </a:effectRef>
+          <a:fontRef idx="minor">
+            <a:schemeClr val="tx1"/>
+          </a:fontRef>
+        </p:style>
+      </p:cxnSp>
+      <p:sp>
+        <p:nvSpPr>
+          <p:cNvPr id="17" name="テキスト ボックス 16">
+            <a:extLst>
+              <a:ext uri="{FF2B5EF4-FFF2-40B4-BE49-F238E27FC236}">
+                <a16:creationId xmlns:a16="http://schemas.microsoft.com/office/drawing/2014/main" id="{77F8248F-EC1B-F5BD-3376-79D13122BF0D}"/>
+              </a:ext>
+            </a:extLst>
+          </p:cNvPr>
+          <p:cNvSpPr txBox="1"/>
+          <p:nvPr/>
+        </p:nvSpPr>
+        <p:spPr>
+          <a:xfrm>
+            <a:off x="1930400" y="766629"/>
+            <a:ext cx="8331200" cy="646331"/>
+          </a:xfrm>
+          <a:prstGeom prst="rect">
+            <a:avLst/>
+          </a:prstGeom>
+          <a:noFill/>
+        </p:spPr>
+        <p:txBody>
+          <a:bodyPr wrap="square" rtlCol="0">
+            <a:spAutoFit/>
+          </a:bodyPr>
+          <a:lstStyle/>
+          <a:p>
+            <a:r>
+              <a:rPr lang="en-US" altLang="ja-JP" b="0" i="0" dirty="0">
+                <a:solidFill>
+                  <a:srgbClr val="212121"/>
+                </a:solidFill>
+                <a:effectLst/>
+                <a:latin typeface="Courier New" panose="02070309020205020404" pitchFamily="49" charset="0"/>
+              </a:rPr>
+              <a:t>The probability that all labels are outputted along the most likely state transition: -44.88421062069136</a:t>
+            </a:r>
+            <a:r>
+              <a:rPr lang="ja-JP" altLang="en-US" b="0" i="0" dirty="0">
+                <a:solidFill>
+                  <a:srgbClr val="212121"/>
+                </a:solidFill>
+                <a:effectLst/>
+                <a:latin typeface="Courier New" panose="02070309020205020404" pitchFamily="49" charset="0"/>
+              </a:rPr>
+              <a:t>（対数表示）</a:t>
+            </a:r>
+            <a:endParaRPr kumimoji="1" lang="ja-JP" altLang="en-US" dirty="0"/>
+          </a:p>
+        </p:txBody>
+      </p:sp>
+      <p:pic>
+        <p:nvPicPr>
+          <p:cNvPr id="1026" name="Picture 2">
+            <a:extLst>
+              <a:ext uri="{FF2B5EF4-FFF2-40B4-BE49-F238E27FC236}">
+                <a16:creationId xmlns:a16="http://schemas.microsoft.com/office/drawing/2014/main" id="{DA98605D-938E-2862-AD24-EF2570C1E252}"/>
+              </a:ext>
+            </a:extLst>
+          </p:cNvPr>
+          <p:cNvPicPr>
+            <a:picLocks noChangeAspect="1" noChangeArrowheads="1"/>
+          </p:cNvPicPr>
+          <p:nvPr/>
+        </p:nvPicPr>
+        <p:blipFill>
+          <a:blip r:embed="rId2">
+            <a:extLst>
+              <a:ext uri="{28A0092B-C50C-407E-A947-70E740481C1C}">
+                <a14:useLocalDpi xmlns:a14="http://schemas.microsoft.com/office/drawing/2010/main" val="0"/>
+              </a:ext>
+            </a:extLst>
+          </a:blip>
+          <a:srcRect/>
+          <a:stretch>
+            <a:fillRect/>
+          </a:stretch>
+        </p:blipFill>
+        <p:spPr bwMode="auto">
+          <a:xfrm>
+            <a:off x="6971112" y="4253013"/>
+            <a:ext cx="4147083" cy="1840492"/>
+          </a:xfrm>
+          <a:prstGeom prst="rect">
+            <a:avLst/>
+          </a:prstGeom>
+          <a:noFill/>
+          <a:extLst>
+            <a:ext uri="{909E8E84-426E-40DD-AFC4-6F175D3DCCD1}">
+              <a14:hiddenFill xmlns:a14="http://schemas.microsoft.com/office/drawing/2010/main">
+                <a:solidFill>
+                  <a:srgbClr val="FFFFFF"/>
+                </a:solidFill>
+              </a14:hiddenFill>
+            </a:ext>
+          </a:extLst>
+        </p:spPr>
+      </p:pic>
+      <p:sp>
+        <p:nvSpPr>
+          <p:cNvPr id="9" name="テキスト ボックス 8">
+            <a:extLst>
+              <a:ext uri="{FF2B5EF4-FFF2-40B4-BE49-F238E27FC236}">
+                <a16:creationId xmlns:a16="http://schemas.microsoft.com/office/drawing/2014/main" id="{6C1493F6-39E2-FE09-6421-EF8A271869AC}"/>
+              </a:ext>
+            </a:extLst>
+          </p:cNvPr>
+          <p:cNvSpPr txBox="1"/>
+          <p:nvPr/>
+        </p:nvSpPr>
+        <p:spPr>
+          <a:xfrm>
+            <a:off x="8874825" y="5906705"/>
+            <a:ext cx="974889" cy="369332"/>
+          </a:xfrm>
+          <a:prstGeom prst="rect">
+            <a:avLst/>
+          </a:prstGeom>
+          <a:noFill/>
+        </p:spPr>
+        <p:txBody>
+          <a:bodyPr wrap="square">
+            <a:spAutoFit/>
+          </a:bodyPr>
+          <a:lstStyle/>
+          <a:p>
+            <a:pPr algn="l"/>
+            <a:r>
+              <a:rPr lang="en-US" altLang="ja-JP" b="1" i="0" dirty="0">
+                <a:solidFill>
+                  <a:srgbClr val="000000"/>
+                </a:solidFill>
+                <a:effectLst/>
+                <a:latin typeface="arial" panose="020B0604020202020204" pitchFamily="34" charset="0"/>
+              </a:rPr>
+              <a:t>SNFG</a:t>
+            </a:r>
+          </a:p>
+        </p:txBody>
+      </p:sp>
+    </p:spTree>
+    <p:extLst>
+      <p:ext uri="{BB962C8B-B14F-4D97-AF65-F5344CB8AC3E}">
+        <p14:creationId xmlns:p14="http://schemas.microsoft.com/office/powerpoint/2010/main" val="1488004092"/>
+      </p:ext>
+    </p:extLst>
+  </p:cSld>
+  <p:clrMapOvr>
+    <a:masterClrMapping/>
+  </p:clrMapOvr>
+</p:sld>
+</file>
+
+<file path=ppt/slides/slide4.xml><?xml version="1.0" encoding="utf-8"?>
+<p:sld xmlns:a="http://schemas.openxmlformats.org/drawingml/2006/main" xmlns:r="http://schemas.openxmlformats.org/officeDocument/2006/relationships" xmlns:p="http://schemas.openxmlformats.org/presentationml/2006/main">
+  <p:cSld>
+    <p:spTree>
+      <p:nvGrpSpPr>
+        <p:cNvPr id="1" name=""/>
+        <p:cNvGrpSpPr/>
+        <p:nvPr/>
+      </p:nvGrpSpPr>
+      <p:grpSpPr>
+        <a:xfrm>
+          <a:off x="0" y="0"/>
+          <a:ext cx="0" cy="0"/>
+          <a:chOff x="0" y="0"/>
+          <a:chExt cx="0" cy="0"/>
+        </a:xfrm>
+      </p:grpSpPr>
+      <p:sp>
+        <p:nvSpPr>
+          <p:cNvPr id="2" name="楕円 1">
+            <a:extLst>
+              <a:ext uri="{FF2B5EF4-FFF2-40B4-BE49-F238E27FC236}">
+                <a16:creationId xmlns:a16="http://schemas.microsoft.com/office/drawing/2014/main" id="{99E2A3C1-8E54-23CE-CFCA-6E9E50E0826B}"/>
+              </a:ext>
+            </a:extLst>
+          </p:cNvPr>
+          <p:cNvSpPr/>
+          <p:nvPr/>
+        </p:nvSpPr>
+        <p:spPr>
+          <a:xfrm>
+            <a:off x="8922299" y="3211618"/>
+            <a:ext cx="439971" cy="434763"/>
+          </a:xfrm>
+          <a:prstGeom prst="ellipse">
+            <a:avLst/>
+          </a:prstGeom>
+          <a:noFill/>
+          <a:ln>
+            <a:solidFill>
+              <a:schemeClr val="tx1"/>
+            </a:solidFill>
+          </a:ln>
+        </p:spPr>
+        <p:style>
+          <a:lnRef idx="2">
+            <a:schemeClr val="accent1">
+              <a:shade val="50000"/>
+            </a:schemeClr>
+          </a:lnRef>
+          <a:fillRef idx="1">
+            <a:schemeClr val="accent1"/>
+          </a:fillRef>
+          <a:effectRef idx="0">
+            <a:schemeClr val="accent1"/>
+          </a:effectRef>
+          <a:fontRef idx="minor">
+            <a:schemeClr val="lt1"/>
+          </a:fontRef>
+        </p:style>
+        <p:txBody>
+          <a:bodyPr rtlCol="0" anchor="ctr"/>
+          <a:lstStyle/>
+          <a:p>
+            <a:pPr algn="ctr"/>
+            <a:r>
+              <a:rPr kumimoji="1" lang="en-US" altLang="ja-JP" dirty="0">
+                <a:solidFill>
+                  <a:schemeClr val="tx1"/>
+                </a:solidFill>
+              </a:rPr>
+              <a:t>3</a:t>
+            </a:r>
+            <a:endParaRPr kumimoji="1" lang="ja-JP" altLang="en-US" dirty="0">
+              <a:solidFill>
+                <a:schemeClr val="tx1"/>
+              </a:solidFill>
+            </a:endParaRPr>
+          </a:p>
+        </p:txBody>
+      </p:sp>
+      <p:cxnSp>
+        <p:nvCxnSpPr>
+          <p:cNvPr id="4" name="直線コネクタ 3">
+            <a:extLst>
+              <a:ext uri="{FF2B5EF4-FFF2-40B4-BE49-F238E27FC236}">
+                <a16:creationId xmlns:a16="http://schemas.microsoft.com/office/drawing/2014/main" id="{6F147F4B-8FAC-056D-BC9B-BF5397D939A4}"/>
+              </a:ext>
+            </a:extLst>
+          </p:cNvPr>
+          <p:cNvCxnSpPr>
+            <a:cxnSpLocks/>
+            <a:stCxn id="5" idx="6"/>
+            <a:endCxn id="2" idx="2"/>
+          </p:cNvCxnSpPr>
+          <p:nvPr/>
+        </p:nvCxnSpPr>
+        <p:spPr>
+          <a:xfrm>
+            <a:off x="8389259" y="3429000"/>
+            <a:ext cx="533040" cy="0"/>
+          </a:xfrm>
+          <a:prstGeom prst="line">
+            <a:avLst/>
+          </a:prstGeom>
+          <a:ln>
+            <a:solidFill>
+              <a:schemeClr val="tx1"/>
+            </a:solidFill>
+          </a:ln>
+        </p:spPr>
+        <p:style>
+          <a:lnRef idx="1">
+            <a:schemeClr val="accent1"/>
+          </a:lnRef>
+          <a:fillRef idx="0">
+            <a:schemeClr val="accent1"/>
+          </a:fillRef>
+          <a:effectRef idx="0">
+            <a:schemeClr val="accent1"/>
+          </a:effectRef>
+          <a:fontRef idx="minor">
+            <a:schemeClr val="tx1"/>
+          </a:fontRef>
+        </p:style>
+      </p:cxnSp>
+      <p:sp>
+        <p:nvSpPr>
+          <p:cNvPr id="5" name="楕円 4">
+            <a:extLst>
+              <a:ext uri="{FF2B5EF4-FFF2-40B4-BE49-F238E27FC236}">
+                <a16:creationId xmlns:a16="http://schemas.microsoft.com/office/drawing/2014/main" id="{2D4BC0B0-567F-CC57-EEC8-2C8E2A8B137D}"/>
+              </a:ext>
+            </a:extLst>
+          </p:cNvPr>
+          <p:cNvSpPr/>
+          <p:nvPr/>
+        </p:nvSpPr>
+        <p:spPr>
+          <a:xfrm>
+            <a:off x="7949288" y="3211618"/>
+            <a:ext cx="439971" cy="434763"/>
+          </a:xfrm>
+          <a:prstGeom prst="ellipse">
+            <a:avLst/>
+          </a:prstGeom>
+          <a:noFill/>
+          <a:ln>
+            <a:solidFill>
+              <a:schemeClr val="tx1"/>
+            </a:solidFill>
+          </a:ln>
+        </p:spPr>
+        <p:style>
+          <a:lnRef idx="2">
+            <a:schemeClr val="accent1">
+              <a:shade val="50000"/>
+            </a:schemeClr>
+          </a:lnRef>
+          <a:fillRef idx="1">
+            <a:schemeClr val="accent1"/>
+          </a:fillRef>
+          <a:effectRef idx="0">
+            <a:schemeClr val="accent1"/>
+          </a:effectRef>
+          <a:fontRef idx="minor">
+            <a:schemeClr val="lt1"/>
+          </a:fontRef>
+        </p:style>
+        <p:txBody>
+          <a:bodyPr rtlCol="0" anchor="ctr"/>
+          <a:lstStyle/>
+          <a:p>
+            <a:pPr algn="ctr"/>
+            <a:r>
+              <a:rPr kumimoji="1" lang="en-US" altLang="ja-JP" dirty="0">
+                <a:solidFill>
+                  <a:schemeClr val="tx1"/>
+                </a:solidFill>
+              </a:rPr>
+              <a:t>2</a:t>
+            </a:r>
+            <a:endParaRPr kumimoji="1" lang="ja-JP" altLang="en-US" dirty="0">
+              <a:solidFill>
+                <a:schemeClr val="tx1"/>
+              </a:solidFill>
+            </a:endParaRPr>
+          </a:p>
+        </p:txBody>
+      </p:sp>
+      <p:sp>
+        <p:nvSpPr>
+          <p:cNvPr id="15" name="楕円 14">
+            <a:extLst>
+              <a:ext uri="{FF2B5EF4-FFF2-40B4-BE49-F238E27FC236}">
+                <a16:creationId xmlns:a16="http://schemas.microsoft.com/office/drawing/2014/main" id="{A36C3C59-ABD2-F701-50FD-3A47E6659924}"/>
+              </a:ext>
+            </a:extLst>
+          </p:cNvPr>
+          <p:cNvSpPr/>
+          <p:nvPr/>
+        </p:nvSpPr>
+        <p:spPr>
+          <a:xfrm>
+            <a:off x="6976277" y="3211617"/>
+            <a:ext cx="439971" cy="434763"/>
+          </a:xfrm>
+          <a:prstGeom prst="ellipse">
+            <a:avLst/>
+          </a:prstGeom>
+          <a:noFill/>
+          <a:ln>
+            <a:solidFill>
+              <a:schemeClr val="tx1"/>
+            </a:solidFill>
+          </a:ln>
+        </p:spPr>
+        <p:style>
+          <a:lnRef idx="2">
+            <a:schemeClr val="accent1">
+              <a:shade val="50000"/>
+            </a:schemeClr>
+          </a:lnRef>
+          <a:fillRef idx="1">
+            <a:schemeClr val="accent1"/>
+          </a:fillRef>
+          <a:effectRef idx="0">
+            <a:schemeClr val="accent1"/>
+          </a:effectRef>
+          <a:fontRef idx="minor">
+            <a:schemeClr val="lt1"/>
+          </a:fontRef>
+        </p:style>
+        <p:txBody>
+          <a:bodyPr rtlCol="0" anchor="ctr"/>
+          <a:lstStyle/>
+          <a:p>
+            <a:pPr algn="ctr"/>
+            <a:r>
               <a:rPr lang="en-US" altLang="ja-JP" dirty="0">
                 <a:solidFill>
                   <a:schemeClr val="tx1"/>
@@ -9624,7 +11808,7 @@
 </p:sld>
 </file>
 
-<file path=ppt/slides/slide4.xml><?xml version="1.0" encoding="utf-8"?>
+<file path=ppt/slides/slide5.xml><?xml version="1.0" encoding="utf-8"?>
 <p:sld xmlns:a="http://schemas.openxmlformats.org/drawingml/2006/main" xmlns:r="http://schemas.openxmlformats.org/officeDocument/2006/relationships" xmlns:p="http://schemas.openxmlformats.org/presentationml/2006/main">
   <p:cSld>
     <p:spTree>

--- a/otmm_decimal/result_colab/result_novelty_1000_1.0_6_102_ColabPP/result_novelty_1000_1.0_6_102_parsing.pptx
+++ b/otmm_decimal/result_colab/result_novelty_1000_1.0_6_102_ColabPP/result_novelty_1000_1.0_6_102_parsing.pptx
@@ -263,7 +263,7 @@
           <a:p>
             <a:fld id="{A1CCF42C-534B-4F17-84EB-3026585EF5A2}" type="datetimeFigureOut">
               <a:rPr kumimoji="1" lang="ja-JP" altLang="en-US" smtClean="0"/>
-              <a:t>2023/1/3</a:t>
+              <a:t>2023/1/12</a:t>
             </a:fld>
             <a:endParaRPr kumimoji="1" lang="ja-JP" altLang="en-US"/>
           </a:p>
@@ -493,7 +493,7 @@
           <a:p>
             <a:fld id="{A1CCF42C-534B-4F17-84EB-3026585EF5A2}" type="datetimeFigureOut">
               <a:rPr kumimoji="1" lang="ja-JP" altLang="en-US" smtClean="0"/>
-              <a:t>2023/1/3</a:t>
+              <a:t>2023/1/12</a:t>
             </a:fld>
             <a:endParaRPr kumimoji="1" lang="ja-JP" altLang="en-US"/>
           </a:p>
@@ -733,7 +733,7 @@
           <a:p>
             <a:fld id="{A1CCF42C-534B-4F17-84EB-3026585EF5A2}" type="datetimeFigureOut">
               <a:rPr kumimoji="1" lang="ja-JP" altLang="en-US" smtClean="0"/>
-              <a:t>2023/1/3</a:t>
+              <a:t>2023/1/12</a:t>
             </a:fld>
             <a:endParaRPr kumimoji="1" lang="ja-JP" altLang="en-US"/>
           </a:p>
@@ -963,7 +963,7 @@
           <a:p>
             <a:fld id="{A1CCF42C-534B-4F17-84EB-3026585EF5A2}" type="datetimeFigureOut">
               <a:rPr kumimoji="1" lang="ja-JP" altLang="en-US" smtClean="0"/>
-              <a:t>2023/1/3</a:t>
+              <a:t>2023/1/12</a:t>
             </a:fld>
             <a:endParaRPr kumimoji="1" lang="ja-JP" altLang="en-US"/>
           </a:p>
@@ -1238,7 +1238,7 @@
           <a:p>
             <a:fld id="{A1CCF42C-534B-4F17-84EB-3026585EF5A2}" type="datetimeFigureOut">
               <a:rPr kumimoji="1" lang="ja-JP" altLang="en-US" smtClean="0"/>
-              <a:t>2023/1/3</a:t>
+              <a:t>2023/1/12</a:t>
             </a:fld>
             <a:endParaRPr kumimoji="1" lang="ja-JP" altLang="en-US"/>
           </a:p>
@@ -1567,7 +1567,7 @@
           <a:p>
             <a:fld id="{A1CCF42C-534B-4F17-84EB-3026585EF5A2}" type="datetimeFigureOut">
               <a:rPr kumimoji="1" lang="ja-JP" altLang="en-US" smtClean="0"/>
-              <a:t>2023/1/3</a:t>
+              <a:t>2023/1/12</a:t>
             </a:fld>
             <a:endParaRPr kumimoji="1" lang="ja-JP" altLang="en-US"/>
           </a:p>
@@ -2043,7 +2043,7 @@
           <a:p>
             <a:fld id="{A1CCF42C-534B-4F17-84EB-3026585EF5A2}" type="datetimeFigureOut">
               <a:rPr kumimoji="1" lang="ja-JP" altLang="en-US" smtClean="0"/>
-              <a:t>2023/1/3</a:t>
+              <a:t>2023/1/12</a:t>
             </a:fld>
             <a:endParaRPr kumimoji="1" lang="ja-JP" altLang="en-US"/>
           </a:p>
@@ -2184,7 +2184,7 @@
           <a:p>
             <a:fld id="{A1CCF42C-534B-4F17-84EB-3026585EF5A2}" type="datetimeFigureOut">
               <a:rPr kumimoji="1" lang="ja-JP" altLang="en-US" smtClean="0"/>
-              <a:t>2023/1/3</a:t>
+              <a:t>2023/1/12</a:t>
             </a:fld>
             <a:endParaRPr kumimoji="1" lang="ja-JP" altLang="en-US"/>
           </a:p>
@@ -2297,7 +2297,7 @@
           <a:p>
             <a:fld id="{A1CCF42C-534B-4F17-84EB-3026585EF5A2}" type="datetimeFigureOut">
               <a:rPr kumimoji="1" lang="ja-JP" altLang="en-US" smtClean="0"/>
-              <a:t>2023/1/3</a:t>
+              <a:t>2023/1/12</a:t>
             </a:fld>
             <a:endParaRPr kumimoji="1" lang="ja-JP" altLang="en-US"/>
           </a:p>
@@ -2640,7 +2640,7 @@
           <a:p>
             <a:fld id="{A1CCF42C-534B-4F17-84EB-3026585EF5A2}" type="datetimeFigureOut">
               <a:rPr kumimoji="1" lang="ja-JP" altLang="en-US" smtClean="0"/>
-              <a:t>2023/1/3</a:t>
+              <a:t>2023/1/12</a:t>
             </a:fld>
             <a:endParaRPr kumimoji="1" lang="ja-JP" altLang="en-US"/>
           </a:p>
@@ -2928,7 +2928,7 @@
           <a:p>
             <a:fld id="{A1CCF42C-534B-4F17-84EB-3026585EF5A2}" type="datetimeFigureOut">
               <a:rPr kumimoji="1" lang="ja-JP" altLang="en-US" smtClean="0"/>
-              <a:t>2023/1/3</a:t>
+              <a:t>2023/1/12</a:t>
             </a:fld>
             <a:endParaRPr kumimoji="1" lang="ja-JP" altLang="en-US"/>
           </a:p>
@@ -3201,7 +3201,7 @@
           <a:p>
             <a:fld id="{A1CCF42C-534B-4F17-84EB-3026585EF5A2}" type="datetimeFigureOut">
               <a:rPr kumimoji="1" lang="ja-JP" altLang="en-US" smtClean="0"/>
-              <a:t>2023/1/3</a:t>
+              <a:t>2023/1/12</a:t>
             </a:fld>
             <a:endParaRPr kumimoji="1" lang="ja-JP" altLang="en-US"/>
           </a:p>
@@ -7031,8 +7031,8 @@
         </p:nvSpPr>
         <p:spPr>
           <a:xfrm>
-            <a:off x="6875417" y="2261838"/>
-            <a:ext cx="1972677" cy="830997"/>
+            <a:off x="6875417" y="1976089"/>
+            <a:ext cx="1972677" cy="1077218"/>
           </a:xfrm>
           <a:prstGeom prst="rect">
             <a:avLst/>
@@ -7072,6 +7072,12 @@
             <a:r>
               <a:rPr kumimoji="1" lang="en-US" altLang="ja-JP" sz="1600" dirty="0"/>
               <a:t>(b1-6) 0.12</a:t>
+            </a:r>
+          </a:p>
+          <a:p>
+            <a:r>
+              <a:rPr kumimoji="1" lang="en-US" altLang="ja-JP" sz="1600" dirty="0"/>
+              <a:t>Man(a1-2) 0.06</a:t>
             </a:r>
             <a:endParaRPr kumimoji="1" lang="ja-JP" altLang="en-US" sz="1600" dirty="0"/>
           </a:p>

--- a/otmm_decimal/result_colab/result_novelty_1000_1.0_6_102_ColabPP/result_novelty_1000_1.0_6_102_parsing.pptx
+++ b/otmm_decimal/result_colab/result_novelty_1000_1.0_6_102_ColabPP/result_novelty_1000_1.0_6_102_parsing.pptx
@@ -263,7 +263,7 @@
           <a:p>
             <a:fld id="{A1CCF42C-534B-4F17-84EB-3026585EF5A2}" type="datetimeFigureOut">
               <a:rPr kumimoji="1" lang="ja-JP" altLang="en-US" smtClean="0"/>
-              <a:t>2023/1/12</a:t>
+              <a:t>2023/1/22</a:t>
             </a:fld>
             <a:endParaRPr kumimoji="1" lang="ja-JP" altLang="en-US"/>
           </a:p>
@@ -493,7 +493,7 @@
           <a:p>
             <a:fld id="{A1CCF42C-534B-4F17-84EB-3026585EF5A2}" type="datetimeFigureOut">
               <a:rPr kumimoji="1" lang="ja-JP" altLang="en-US" smtClean="0"/>
-              <a:t>2023/1/12</a:t>
+              <a:t>2023/1/22</a:t>
             </a:fld>
             <a:endParaRPr kumimoji="1" lang="ja-JP" altLang="en-US"/>
           </a:p>
@@ -733,7 +733,7 @@
           <a:p>
             <a:fld id="{A1CCF42C-534B-4F17-84EB-3026585EF5A2}" type="datetimeFigureOut">
               <a:rPr kumimoji="1" lang="ja-JP" altLang="en-US" smtClean="0"/>
-              <a:t>2023/1/12</a:t>
+              <a:t>2023/1/22</a:t>
             </a:fld>
             <a:endParaRPr kumimoji="1" lang="ja-JP" altLang="en-US"/>
           </a:p>
@@ -963,7 +963,7 @@
           <a:p>
             <a:fld id="{A1CCF42C-534B-4F17-84EB-3026585EF5A2}" type="datetimeFigureOut">
               <a:rPr kumimoji="1" lang="ja-JP" altLang="en-US" smtClean="0"/>
-              <a:t>2023/1/12</a:t>
+              <a:t>2023/1/22</a:t>
             </a:fld>
             <a:endParaRPr kumimoji="1" lang="ja-JP" altLang="en-US"/>
           </a:p>
@@ -1238,7 +1238,7 @@
           <a:p>
             <a:fld id="{A1CCF42C-534B-4F17-84EB-3026585EF5A2}" type="datetimeFigureOut">
               <a:rPr kumimoji="1" lang="ja-JP" altLang="en-US" smtClean="0"/>
-              <a:t>2023/1/12</a:t>
+              <a:t>2023/1/22</a:t>
             </a:fld>
             <a:endParaRPr kumimoji="1" lang="ja-JP" altLang="en-US"/>
           </a:p>
@@ -1567,7 +1567,7 @@
           <a:p>
             <a:fld id="{A1CCF42C-534B-4F17-84EB-3026585EF5A2}" type="datetimeFigureOut">
               <a:rPr kumimoji="1" lang="ja-JP" altLang="en-US" smtClean="0"/>
-              <a:t>2023/1/12</a:t>
+              <a:t>2023/1/22</a:t>
             </a:fld>
             <a:endParaRPr kumimoji="1" lang="ja-JP" altLang="en-US"/>
           </a:p>
@@ -2043,7 +2043,7 @@
           <a:p>
             <a:fld id="{A1CCF42C-534B-4F17-84EB-3026585EF5A2}" type="datetimeFigureOut">
               <a:rPr kumimoji="1" lang="ja-JP" altLang="en-US" smtClean="0"/>
-              <a:t>2023/1/12</a:t>
+              <a:t>2023/1/22</a:t>
             </a:fld>
             <a:endParaRPr kumimoji="1" lang="ja-JP" altLang="en-US"/>
           </a:p>
@@ -2184,7 +2184,7 @@
           <a:p>
             <a:fld id="{A1CCF42C-534B-4F17-84EB-3026585EF5A2}" type="datetimeFigureOut">
               <a:rPr kumimoji="1" lang="ja-JP" altLang="en-US" smtClean="0"/>
-              <a:t>2023/1/12</a:t>
+              <a:t>2023/1/22</a:t>
             </a:fld>
             <a:endParaRPr kumimoji="1" lang="ja-JP" altLang="en-US"/>
           </a:p>
@@ -2297,7 +2297,7 @@
           <a:p>
             <a:fld id="{A1CCF42C-534B-4F17-84EB-3026585EF5A2}" type="datetimeFigureOut">
               <a:rPr kumimoji="1" lang="ja-JP" altLang="en-US" smtClean="0"/>
-              <a:t>2023/1/12</a:t>
+              <a:t>2023/1/22</a:t>
             </a:fld>
             <a:endParaRPr kumimoji="1" lang="ja-JP" altLang="en-US"/>
           </a:p>
@@ -2640,7 +2640,7 @@
           <a:p>
             <a:fld id="{A1CCF42C-534B-4F17-84EB-3026585EF5A2}" type="datetimeFigureOut">
               <a:rPr kumimoji="1" lang="ja-JP" altLang="en-US" smtClean="0"/>
-              <a:t>2023/1/12</a:t>
+              <a:t>2023/1/22</a:t>
             </a:fld>
             <a:endParaRPr kumimoji="1" lang="ja-JP" altLang="en-US"/>
           </a:p>
@@ -2928,7 +2928,7 @@
           <a:p>
             <a:fld id="{A1CCF42C-534B-4F17-84EB-3026585EF5A2}" type="datetimeFigureOut">
               <a:rPr kumimoji="1" lang="ja-JP" altLang="en-US" smtClean="0"/>
-              <a:t>2023/1/12</a:t>
+              <a:t>2023/1/22</a:t>
             </a:fld>
             <a:endParaRPr kumimoji="1" lang="ja-JP" altLang="en-US"/>
           </a:p>
@@ -3201,7 +3201,7 @@
           <a:p>
             <a:fld id="{A1CCF42C-534B-4F17-84EB-3026585EF5A2}" type="datetimeFigureOut">
               <a:rPr kumimoji="1" lang="ja-JP" altLang="en-US" smtClean="0"/>
-              <a:t>2023/1/12</a:t>
+              <a:t>2023/1/22</a:t>
             </a:fld>
             <a:endParaRPr kumimoji="1" lang="ja-JP" altLang="en-US"/>
           </a:p>
@@ -8222,6 +8222,164 @@
           </a:p>
         </p:txBody>
       </p:sp>
+      <p:sp>
+        <p:nvSpPr>
+          <p:cNvPr id="4" name="テキスト ボックス 3">
+            <a:extLst>
+              <a:ext uri="{FF2B5EF4-FFF2-40B4-BE49-F238E27FC236}">
+                <a16:creationId xmlns:a16="http://schemas.microsoft.com/office/drawing/2014/main" id="{6D74148D-9D6C-6B8E-58B1-05FE8C5435AB}"/>
+              </a:ext>
+            </a:extLst>
+          </p:cNvPr>
+          <p:cNvSpPr txBox="1"/>
+          <p:nvPr/>
+        </p:nvSpPr>
+        <p:spPr>
+          <a:xfrm>
+            <a:off x="2295344" y="4733087"/>
+            <a:ext cx="1102310" cy="369332"/>
+          </a:xfrm>
+          <a:prstGeom prst="rect">
+            <a:avLst/>
+          </a:prstGeom>
+          <a:noFill/>
+        </p:spPr>
+        <p:txBody>
+          <a:bodyPr wrap="square" rtlCol="0">
+            <a:spAutoFit/>
+          </a:bodyPr>
+          <a:lstStyle/>
+          <a:p>
+            <a:r>
+              <a:rPr lang="ja-JP" altLang="en-US" dirty="0"/>
+              <a:t>親子関係</a:t>
+            </a:r>
+            <a:endParaRPr kumimoji="1" lang="ja-JP" altLang="en-US" dirty="0"/>
+          </a:p>
+        </p:txBody>
+      </p:sp>
+      <p:cxnSp>
+        <p:nvCxnSpPr>
+          <p:cNvPr id="7" name="直線矢印コネクタ 6">
+            <a:extLst>
+              <a:ext uri="{FF2B5EF4-FFF2-40B4-BE49-F238E27FC236}">
+                <a16:creationId xmlns:a16="http://schemas.microsoft.com/office/drawing/2014/main" id="{9D10EC50-3A60-3EB2-9F8C-A3E6BA00B872}"/>
+              </a:ext>
+            </a:extLst>
+          </p:cNvPr>
+          <p:cNvCxnSpPr>
+            <a:cxnSpLocks/>
+          </p:cNvCxnSpPr>
+          <p:nvPr/>
+        </p:nvCxnSpPr>
+        <p:spPr>
+          <a:xfrm flipV="1">
+            <a:off x="1548372" y="4920141"/>
+            <a:ext cx="746972" cy="6350"/>
+          </a:xfrm>
+          <a:prstGeom prst="straightConnector1">
+            <a:avLst/>
+          </a:prstGeom>
+          <a:ln w="12700">
+            <a:tailEnd type="triangle"/>
+          </a:ln>
+        </p:spPr>
+        <p:style>
+          <a:lnRef idx="1">
+            <a:schemeClr val="accent1"/>
+          </a:lnRef>
+          <a:fillRef idx="0">
+            <a:schemeClr val="accent1"/>
+          </a:fillRef>
+          <a:effectRef idx="0">
+            <a:schemeClr val="accent1"/>
+          </a:effectRef>
+          <a:fontRef idx="minor">
+            <a:schemeClr val="tx1"/>
+          </a:fontRef>
+        </p:style>
+      </p:cxnSp>
+      <p:sp>
+        <p:nvSpPr>
+          <p:cNvPr id="8" name="テキスト ボックス 7">
+            <a:extLst>
+              <a:ext uri="{FF2B5EF4-FFF2-40B4-BE49-F238E27FC236}">
+                <a16:creationId xmlns:a16="http://schemas.microsoft.com/office/drawing/2014/main" id="{C738A49E-0F0D-3CD0-A584-FE5DF9C1A7EA}"/>
+              </a:ext>
+            </a:extLst>
+          </p:cNvPr>
+          <p:cNvSpPr txBox="1"/>
+          <p:nvPr/>
+        </p:nvSpPr>
+        <p:spPr>
+          <a:xfrm>
+            <a:off x="2295344" y="5113545"/>
+            <a:ext cx="1102310" cy="369332"/>
+          </a:xfrm>
+          <a:prstGeom prst="rect">
+            <a:avLst/>
+          </a:prstGeom>
+          <a:noFill/>
+        </p:spPr>
+        <p:txBody>
+          <a:bodyPr wrap="square" rtlCol="0">
+            <a:spAutoFit/>
+          </a:bodyPr>
+          <a:lstStyle/>
+          <a:p>
+            <a:r>
+              <a:rPr lang="ja-JP" altLang="en-US" dirty="0"/>
+              <a:t>兄弟関係</a:t>
+            </a:r>
+            <a:endParaRPr kumimoji="1" lang="ja-JP" altLang="en-US" dirty="0"/>
+          </a:p>
+        </p:txBody>
+      </p:sp>
+      <p:cxnSp>
+        <p:nvCxnSpPr>
+          <p:cNvPr id="9" name="直線矢印コネクタ 8">
+            <a:extLst>
+              <a:ext uri="{FF2B5EF4-FFF2-40B4-BE49-F238E27FC236}">
+                <a16:creationId xmlns:a16="http://schemas.microsoft.com/office/drawing/2014/main" id="{73BF2277-0258-4CAB-5CEC-6494C03C8901}"/>
+              </a:ext>
+            </a:extLst>
+          </p:cNvPr>
+          <p:cNvCxnSpPr>
+            <a:cxnSpLocks/>
+          </p:cNvCxnSpPr>
+          <p:nvPr/>
+        </p:nvCxnSpPr>
+        <p:spPr>
+          <a:xfrm flipV="1">
+            <a:off x="1548372" y="5300599"/>
+            <a:ext cx="746972" cy="6350"/>
+          </a:xfrm>
+          <a:prstGeom prst="straightConnector1">
+            <a:avLst/>
+          </a:prstGeom>
+          <a:ln w="12700">
+            <a:solidFill>
+              <a:schemeClr val="accent2"/>
+            </a:solidFill>
+            <a:prstDash val="sysDash"/>
+            <a:tailEnd type="triangle"/>
+          </a:ln>
+        </p:spPr>
+        <p:style>
+          <a:lnRef idx="1">
+            <a:schemeClr val="accent1"/>
+          </a:lnRef>
+          <a:fillRef idx="0">
+            <a:schemeClr val="accent1"/>
+          </a:fillRef>
+          <a:effectRef idx="0">
+            <a:schemeClr val="accent1"/>
+          </a:effectRef>
+          <a:fontRef idx="minor">
+            <a:schemeClr val="tx1"/>
+          </a:fontRef>
+        </p:style>
+      </p:cxnSp>
     </p:spTree>
     <p:extLst>
       <p:ext uri="{BB962C8B-B14F-4D97-AF65-F5344CB8AC3E}">
